--- a/rendu/diapo/ENS-PARIS-SACLAY_GABARIT-PPT_V5.pptx
+++ b/rendu/diapo/ENS-PARIS-SACLAY_GABARIT-PPT_V5.pptx
@@ -7,10 +7,10 @@
     <p:sldMasterId id="2147483710" r:id="rId3"/>
   </p:sldMasterIdLst>
   <p:notesMasterIdLst>
-    <p:notesMasterId r:id="rId24"/>
+    <p:notesMasterId r:id="rId30"/>
   </p:notesMasterIdLst>
   <p:handoutMasterIdLst>
-    <p:handoutMasterId r:id="rId25"/>
+    <p:handoutMasterId r:id="rId31"/>
   </p:handoutMasterIdLst>
   <p:sldIdLst>
     <p:sldId id="256" r:id="rId4"/>
@@ -21,18 +21,24 @@
     <p:sldId id="259" r:id="rId9"/>
     <p:sldId id="263" r:id="rId10"/>
     <p:sldId id="266" r:id="rId11"/>
-    <p:sldId id="260" r:id="rId12"/>
-    <p:sldId id="267" r:id="rId13"/>
-    <p:sldId id="268" r:id="rId14"/>
-    <p:sldId id="269" r:id="rId15"/>
-    <p:sldId id="270" r:id="rId16"/>
-    <p:sldId id="273" r:id="rId17"/>
-    <p:sldId id="274" r:id="rId18"/>
-    <p:sldId id="275" r:id="rId19"/>
-    <p:sldId id="261" r:id="rId20"/>
-    <p:sldId id="262" r:id="rId21"/>
-    <p:sldId id="271" r:id="rId22"/>
-    <p:sldId id="272" r:id="rId23"/>
+    <p:sldId id="280" r:id="rId12"/>
+    <p:sldId id="281" r:id="rId13"/>
+    <p:sldId id="260" r:id="rId14"/>
+    <p:sldId id="267" r:id="rId15"/>
+    <p:sldId id="268" r:id="rId16"/>
+    <p:sldId id="269" r:id="rId17"/>
+    <p:sldId id="270" r:id="rId18"/>
+    <p:sldId id="273" r:id="rId19"/>
+    <p:sldId id="274" r:id="rId20"/>
+    <p:sldId id="275" r:id="rId21"/>
+    <p:sldId id="276" r:id="rId22"/>
+    <p:sldId id="277" r:id="rId23"/>
+    <p:sldId id="278" r:id="rId24"/>
+    <p:sldId id="261" r:id="rId25"/>
+    <p:sldId id="279" r:id="rId26"/>
+    <p:sldId id="262" r:id="rId27"/>
+    <p:sldId id="271" r:id="rId28"/>
+    <p:sldId id="272" r:id="rId29"/>
   </p:sldIdLst>
   <p:sldSz cx="14859000" cy="10502900"/>
   <p:notesSz cx="6858000" cy="9144000"/>
@@ -9280,6 +9286,268 @@
           <p:cNvPr id="2" name="Espace réservé du texte 1">
             <a:extLst>
               <a:ext uri="{FF2B5EF4-FFF2-40B4-BE49-F238E27FC236}">
+                <a16:creationId xmlns:a16="http://schemas.microsoft.com/office/drawing/2014/main" id="{52DAE4CD-5E1D-1DE9-1681-2E0AA9678CCD}"/>
+              </a:ext>
+            </a:extLst>
+          </p:cNvPr>
+          <p:cNvSpPr>
+            <a:spLocks noGrp="1"/>
+          </p:cNvSpPr>
+          <p:nvPr>
+            <p:ph type="body" sz="quarter" idx="13"/>
+          </p:nvPr>
+        </p:nvSpPr>
+        <p:spPr/>
+        <p:txBody>
+          <a:bodyPr/>
+          <a:lstStyle/>
+          <a:p>
+            <a:r>
+              <a:rPr lang="fr-FR" dirty="0"/>
+              <a:t>Simulations – Images successives</a:t>
+            </a:r>
+          </a:p>
+        </p:txBody>
+      </p:sp>
+      <p:sp>
+        <p:nvSpPr>
+          <p:cNvPr id="3" name="Espace réservé du texte 2">
+            <a:extLst>
+              <a:ext uri="{FF2B5EF4-FFF2-40B4-BE49-F238E27FC236}">
+                <a16:creationId xmlns:a16="http://schemas.microsoft.com/office/drawing/2014/main" id="{F020E6C4-CC93-EDA6-1191-5B28ED98D443}"/>
+              </a:ext>
+            </a:extLst>
+          </p:cNvPr>
+          <p:cNvSpPr>
+            <a:spLocks noGrp="1"/>
+          </p:cNvSpPr>
+          <p:nvPr>
+            <p:ph type="body" sz="quarter" idx="14"/>
+          </p:nvPr>
+        </p:nvSpPr>
+        <p:spPr/>
+        <p:txBody>
+          <a:bodyPr numCol="1"/>
+          <a:lstStyle/>
+          <a:p>
+            <a:r>
+              <a:rPr lang="fr-FR" sz="2400" dirty="0"/>
+              <a:t>On génère les images et observations successives par le modèle :</a:t>
+            </a:r>
+          </a:p>
+          <a:p>
+            <a:endParaRPr lang="fr-FR" sz="2400" dirty="0"/>
+          </a:p>
+          <a:p>
+            <a:endParaRPr lang="fr-FR" sz="2400" dirty="0"/>
+          </a:p>
+          <a:p>
+            <a:endParaRPr lang="fr-FR" sz="2400" dirty="0"/>
+          </a:p>
+          <a:p>
+            <a:endParaRPr lang="fr-FR" sz="2400" dirty="0"/>
+          </a:p>
+          <a:p>
+            <a:r>
+              <a:rPr lang="fr-FR" sz="2400" dirty="0"/>
+              <a:t>Où x_0 est l’image initiale parfaite</a:t>
+            </a:r>
+          </a:p>
+          <a:p>
+            <a:endParaRPr lang="fr-FR" sz="2400" dirty="0"/>
+          </a:p>
+          <a:p>
+            <a:r>
+              <a:rPr lang="fr-FR" sz="2400" dirty="0"/>
+              <a:t>Les matrices Q et R sont calculées :</a:t>
+            </a:r>
+          </a:p>
+          <a:p>
+            <a:endParaRPr lang="fr-FR" sz="2400" dirty="0"/>
+          </a:p>
+          <a:p>
+            <a:endParaRPr lang="fr-FR" sz="2400" dirty="0"/>
+          </a:p>
+          <a:p>
+            <a:endParaRPr lang="fr-FR" sz="2400" dirty="0"/>
+          </a:p>
+          <a:p>
+            <a:endParaRPr lang="fr-FR" sz="2400" dirty="0"/>
+          </a:p>
+          <a:p>
+            <a:r>
+              <a:rPr lang="fr-FR" sz="2400" dirty="0"/>
+              <a:t>Elles sont en pratiques calculées par méthode « ALS » (</a:t>
+            </a:r>
+            <a:r>
+              <a:rPr lang="fr-FR" sz="2400" i="1" dirty="0"/>
+              <a:t>Autocovariance least-squares</a:t>
+            </a:r>
+            <a:r>
+              <a:rPr lang="fr-FR" sz="2400" dirty="0"/>
+              <a:t>)</a:t>
+            </a:r>
+          </a:p>
+        </p:txBody>
+      </p:sp>
+      <p:pic>
+        <p:nvPicPr>
+          <p:cNvPr id="4" name="Image 3">
+            <a:extLst>
+              <a:ext uri="{FF2B5EF4-FFF2-40B4-BE49-F238E27FC236}">
+                <a16:creationId xmlns:a16="http://schemas.microsoft.com/office/drawing/2014/main" id="{34891F68-E305-488D-9DAA-E6A233075CCD}"/>
+              </a:ext>
+            </a:extLst>
+          </p:cNvPr>
+          <p:cNvPicPr>
+            <a:picLocks noChangeAspect="1"/>
+          </p:cNvPicPr>
+          <p:nvPr/>
+        </p:nvPicPr>
+        <p:blipFill>
+          <a:blip r:embed="rId2"/>
+          <a:stretch>
+            <a:fillRect/>
+          </a:stretch>
+        </p:blipFill>
+        <p:spPr>
+          <a:xfrm>
+            <a:off x="6019800" y="2637678"/>
+            <a:ext cx="2819400" cy="1085850"/>
+          </a:xfrm>
+          <a:prstGeom prst="rect">
+            <a:avLst/>
+          </a:prstGeom>
+        </p:spPr>
+      </p:pic>
+      <p:pic>
+        <p:nvPicPr>
+          <p:cNvPr id="6" name="Image 5">
+            <a:extLst>
+              <a:ext uri="{FF2B5EF4-FFF2-40B4-BE49-F238E27FC236}">
+                <a16:creationId xmlns:a16="http://schemas.microsoft.com/office/drawing/2014/main" id="{8CFD858A-D4C5-DD52-673C-512C8588B535}"/>
+              </a:ext>
+            </a:extLst>
+          </p:cNvPr>
+          <p:cNvPicPr>
+            <a:picLocks noChangeAspect="1"/>
+          </p:cNvPicPr>
+          <p:nvPr/>
+        </p:nvPicPr>
+        <p:blipFill>
+          <a:blip r:embed="rId3"/>
+          <a:stretch>
+            <a:fillRect/>
+          </a:stretch>
+        </p:blipFill>
+        <p:spPr>
+          <a:xfrm>
+            <a:off x="4569674" y="5969376"/>
+            <a:ext cx="5719652" cy="1085850"/>
+          </a:xfrm>
+          <a:prstGeom prst="rect">
+            <a:avLst/>
+          </a:prstGeom>
+        </p:spPr>
+      </p:pic>
+    </p:spTree>
+    <p:extLst>
+      <p:ext uri="{BB962C8B-B14F-4D97-AF65-F5344CB8AC3E}">
+        <p14:creationId xmlns:p14="http://schemas.microsoft.com/office/powerpoint/2010/main" val="897259924"/>
+      </p:ext>
+    </p:extLst>
+  </p:cSld>
+  <p:clrMapOvr>
+    <a:masterClrMapping/>
+  </p:clrMapOvr>
+</p:sld>
+</file>
+
+<file path=ppt/slides/slide11.xml><?xml version="1.0" encoding="utf-8"?>
+<p:sld xmlns:a="http://schemas.openxmlformats.org/drawingml/2006/main" xmlns:r="http://schemas.openxmlformats.org/officeDocument/2006/relationships" xmlns:p="http://schemas.openxmlformats.org/presentationml/2006/main">
+  <p:cSld>
+    <p:spTree>
+      <p:nvGrpSpPr>
+        <p:cNvPr id="1" name=""/>
+        <p:cNvGrpSpPr/>
+        <p:nvPr/>
+      </p:nvGrpSpPr>
+      <p:grpSpPr>
+        <a:xfrm>
+          <a:off x="0" y="0"/>
+          <a:ext cx="0" cy="0"/>
+          <a:chOff x="0" y="0"/>
+          <a:chExt cx="0" cy="0"/>
+        </a:xfrm>
+      </p:grpSpPr>
+      <p:sp>
+        <p:nvSpPr>
+          <p:cNvPr id="2" name="Espace réservé du texte 1">
+            <a:extLst>
+              <a:ext uri="{FF2B5EF4-FFF2-40B4-BE49-F238E27FC236}">
+                <a16:creationId xmlns:a16="http://schemas.microsoft.com/office/drawing/2014/main" id="{07C53293-DC23-153D-EB06-76E550C9E326}"/>
+              </a:ext>
+            </a:extLst>
+          </p:cNvPr>
+          <p:cNvSpPr>
+            <a:spLocks noGrp="1"/>
+          </p:cNvSpPr>
+          <p:nvPr>
+            <p:ph type="body" sz="quarter" idx="10"/>
+          </p:nvPr>
+        </p:nvSpPr>
+        <p:spPr>
+          <a:xfrm>
+            <a:off x="1001876" y="1094400"/>
+            <a:ext cx="6427624" cy="2451100"/>
+          </a:xfrm>
+        </p:spPr>
+        <p:txBody>
+          <a:bodyPr/>
+          <a:lstStyle/>
+          <a:p>
+            <a:r>
+              <a:rPr lang="fr-FR" dirty="0"/>
+              <a:t>Performances de reconstruction en présence de perturbations</a:t>
+            </a:r>
+          </a:p>
+        </p:txBody>
+      </p:sp>
+    </p:spTree>
+    <p:extLst>
+      <p:ext uri="{BB962C8B-B14F-4D97-AF65-F5344CB8AC3E}">
+        <p14:creationId xmlns:p14="http://schemas.microsoft.com/office/powerpoint/2010/main" val="1147797226"/>
+      </p:ext>
+    </p:extLst>
+  </p:cSld>
+  <p:clrMapOvr>
+    <a:masterClrMapping/>
+  </p:clrMapOvr>
+</p:sld>
+</file>
+
+<file path=ppt/slides/slide12.xml><?xml version="1.0" encoding="utf-8"?>
+<p:sld xmlns:a="http://schemas.openxmlformats.org/drawingml/2006/main" xmlns:r="http://schemas.openxmlformats.org/officeDocument/2006/relationships" xmlns:p="http://schemas.openxmlformats.org/presentationml/2006/main">
+  <p:cSld>
+    <p:spTree>
+      <p:nvGrpSpPr>
+        <p:cNvPr id="1" name=""/>
+        <p:cNvGrpSpPr/>
+        <p:nvPr/>
+      </p:nvGrpSpPr>
+      <p:grpSpPr>
+        <a:xfrm>
+          <a:off x="0" y="0"/>
+          <a:ext cx="0" cy="0"/>
+          <a:chOff x="0" y="0"/>
+          <a:chExt cx="0" cy="0"/>
+        </a:xfrm>
+      </p:grpSpPr>
+      <p:sp>
+        <p:nvSpPr>
+          <p:cNvPr id="2" name="Espace réservé du texte 1">
+            <a:extLst>
+              <a:ext uri="{FF2B5EF4-FFF2-40B4-BE49-F238E27FC236}">
                 <a16:creationId xmlns:a16="http://schemas.microsoft.com/office/drawing/2014/main" id="{4E79486F-1BF3-6909-A69E-69B657D0DA93}"/>
               </a:ext>
             </a:extLst>
@@ -9392,7 +9660,7 @@
 </p:sld>
 </file>
 
-<file path=ppt/slides/slide11.xml><?xml version="1.0" encoding="utf-8"?>
+<file path=ppt/slides/slide13.xml><?xml version="1.0" encoding="utf-8"?>
 <p:sld xmlns:a="http://schemas.openxmlformats.org/drawingml/2006/main" xmlns:r="http://schemas.openxmlformats.org/officeDocument/2006/relationships" xmlns:p="http://schemas.openxmlformats.org/presentationml/2006/main">
   <p:cSld>
     <p:spTree>
@@ -9625,7 +9893,7 @@
 </p:sld>
 </file>
 
-<file path=ppt/slides/slide12.xml><?xml version="1.0" encoding="utf-8"?>
+<file path=ppt/slides/slide14.xml><?xml version="1.0" encoding="utf-8"?>
 <p:sld xmlns:a="http://schemas.openxmlformats.org/drawingml/2006/main" xmlns:r="http://schemas.openxmlformats.org/officeDocument/2006/relationships" xmlns:p="http://schemas.openxmlformats.org/presentationml/2006/main">
   <p:cSld>
     <p:spTree>
@@ -10032,7 +10300,7 @@
 </p:sld>
 </file>
 
-<file path=ppt/slides/slide13.xml><?xml version="1.0" encoding="utf-8"?>
+<file path=ppt/slides/slide15.xml><?xml version="1.0" encoding="utf-8"?>
 <p:sld xmlns:a="http://schemas.openxmlformats.org/drawingml/2006/main" xmlns:r="http://schemas.openxmlformats.org/officeDocument/2006/relationships" xmlns:p="http://schemas.openxmlformats.org/presentationml/2006/main">
   <p:cSld>
     <p:spTree>
@@ -10327,7 +10595,7 @@
 </p:sld>
 </file>
 
-<file path=ppt/slides/slide14.xml><?xml version="1.0" encoding="utf-8"?>
+<file path=ppt/slides/slide16.xml><?xml version="1.0" encoding="utf-8"?>
 <p:sld xmlns:a="http://schemas.openxmlformats.org/drawingml/2006/main" xmlns:r="http://schemas.openxmlformats.org/officeDocument/2006/relationships" xmlns:p="http://schemas.openxmlformats.org/presentationml/2006/main">
   <p:cSld>
     <p:spTree>
@@ -10415,7 +10683,7 @@
 </p:sld>
 </file>
 
-<file path=ppt/slides/slide15.xml><?xml version="1.0" encoding="utf-8"?>
+<file path=ppt/slides/slide17.xml><?xml version="1.0" encoding="utf-8"?>
 <p:sld xmlns:a="http://schemas.openxmlformats.org/drawingml/2006/main" xmlns:r="http://schemas.openxmlformats.org/officeDocument/2006/relationships" xmlns:p="http://schemas.openxmlformats.org/presentationml/2006/main">
   <p:cSld>
     <p:spTree>
@@ -10507,7 +10775,7 @@
             <a:pPr algn="ctr"/>
             <a:r>
               <a:rPr lang="fr-FR" dirty="0"/>
-              <a:t>Convergence vers 1,167</a:t>
+              <a:t>Convergence vers 0,167</a:t>
             </a:r>
           </a:p>
         </p:txBody>
@@ -10585,158 +10853,6 @@
 </p:sld>
 </file>
 
-<file path=ppt/slides/slide16.xml><?xml version="1.0" encoding="utf-8"?>
-<p:sld xmlns:a="http://schemas.openxmlformats.org/drawingml/2006/main" xmlns:r="http://schemas.openxmlformats.org/officeDocument/2006/relationships" xmlns:p="http://schemas.openxmlformats.org/presentationml/2006/main">
-  <p:cSld>
-    <p:spTree>
-      <p:nvGrpSpPr>
-        <p:cNvPr id="1" name=""/>
-        <p:cNvGrpSpPr/>
-        <p:nvPr/>
-      </p:nvGrpSpPr>
-      <p:grpSpPr>
-        <a:xfrm>
-          <a:off x="0" y="0"/>
-          <a:ext cx="0" cy="0"/>
-          <a:chOff x="0" y="0"/>
-          <a:chExt cx="0" cy="0"/>
-        </a:xfrm>
-      </p:grpSpPr>
-      <p:sp>
-        <p:nvSpPr>
-          <p:cNvPr id="2" name="Espace réservé du texte 1">
-            <a:extLst>
-              <a:ext uri="{FF2B5EF4-FFF2-40B4-BE49-F238E27FC236}">
-                <a16:creationId xmlns:a16="http://schemas.microsoft.com/office/drawing/2014/main" id="{D4F30A89-9B4B-CB03-643B-4442B5428F8D}"/>
-              </a:ext>
-            </a:extLst>
-          </p:cNvPr>
-          <p:cNvSpPr>
-            <a:spLocks noGrp="1"/>
-          </p:cNvSpPr>
-          <p:nvPr>
-            <p:ph type="body" sz="quarter" idx="13"/>
-          </p:nvPr>
-        </p:nvSpPr>
-        <p:spPr/>
-        <p:txBody>
-          <a:bodyPr/>
-          <a:lstStyle/>
-          <a:p>
-            <a:r>
-              <a:rPr lang="fr-FR" dirty="0"/>
-              <a:t>Perturbations – Positions (1/)</a:t>
-            </a:r>
-          </a:p>
-        </p:txBody>
-      </p:sp>
-      <p:sp>
-        <p:nvSpPr>
-          <p:cNvPr id="3" name="Espace réservé du texte 2">
-            <a:extLst>
-              <a:ext uri="{FF2B5EF4-FFF2-40B4-BE49-F238E27FC236}">
-                <a16:creationId xmlns:a16="http://schemas.microsoft.com/office/drawing/2014/main" id="{02E6C5D2-66B0-EF89-7A00-730DA57B2EBA}"/>
-              </a:ext>
-            </a:extLst>
-          </p:cNvPr>
-          <p:cNvSpPr>
-            <a:spLocks noGrp="1"/>
-          </p:cNvSpPr>
-          <p:nvPr>
-            <p:ph type="body" sz="quarter" idx="14"/>
-          </p:nvPr>
-        </p:nvSpPr>
-        <p:spPr/>
-        <p:txBody>
-          <a:bodyPr numCol="1"/>
-          <a:lstStyle/>
-          <a:p>
-            <a:r>
-              <a:rPr lang="fr-FR" sz="2400" dirty="0"/>
-              <a:t>On introduit de même une erreur sur les positions :</a:t>
-            </a:r>
-          </a:p>
-          <a:p>
-            <a:endParaRPr lang="fr-FR" sz="2400" dirty="0"/>
-          </a:p>
-        </p:txBody>
-      </p:sp>
-    </p:spTree>
-    <p:extLst>
-      <p:ext uri="{BB962C8B-B14F-4D97-AF65-F5344CB8AC3E}">
-        <p14:creationId xmlns:p14="http://schemas.microsoft.com/office/powerpoint/2010/main" val="1418989706"/>
-      </p:ext>
-    </p:extLst>
-  </p:cSld>
-  <p:clrMapOvr>
-    <a:masterClrMapping/>
-  </p:clrMapOvr>
-</p:sld>
-</file>
-
-<file path=ppt/slides/slide17.xml><?xml version="1.0" encoding="utf-8"?>
-<p:sld xmlns:a="http://schemas.openxmlformats.org/drawingml/2006/main" xmlns:r="http://schemas.openxmlformats.org/officeDocument/2006/relationships" xmlns:p="http://schemas.openxmlformats.org/presentationml/2006/main">
-  <p:cSld>
-    <p:spTree>
-      <p:nvGrpSpPr>
-        <p:cNvPr id="1" name=""/>
-        <p:cNvGrpSpPr/>
-        <p:nvPr/>
-      </p:nvGrpSpPr>
-      <p:grpSpPr>
-        <a:xfrm>
-          <a:off x="0" y="0"/>
-          <a:ext cx="0" cy="0"/>
-          <a:chOff x="0" y="0"/>
-          <a:chExt cx="0" cy="0"/>
-        </a:xfrm>
-      </p:grpSpPr>
-      <p:sp>
-        <p:nvSpPr>
-          <p:cNvPr id="2" name="Espace réservé du texte 1">
-            <a:extLst>
-              <a:ext uri="{FF2B5EF4-FFF2-40B4-BE49-F238E27FC236}">
-                <a16:creationId xmlns:a16="http://schemas.microsoft.com/office/drawing/2014/main" id="{58316333-5080-7189-4B3F-190C9E906FDF}"/>
-              </a:ext>
-            </a:extLst>
-          </p:cNvPr>
-          <p:cNvSpPr>
-            <a:spLocks noGrp="1"/>
-          </p:cNvSpPr>
-          <p:nvPr>
-            <p:ph type="body" sz="quarter" idx="10"/>
-          </p:nvPr>
-        </p:nvSpPr>
-        <p:spPr>
-          <a:xfrm>
-            <a:off x="1001876" y="1094400"/>
-            <a:ext cx="5318242" cy="2451100"/>
-          </a:xfrm>
-        </p:spPr>
-        <p:txBody>
-          <a:bodyPr/>
-          <a:lstStyle/>
-          <a:p>
-            <a:r>
-              <a:rPr lang="fr-FR" dirty="0"/>
-              <a:t>Essai de correction expérimentale</a:t>
-            </a:r>
-          </a:p>
-        </p:txBody>
-      </p:sp>
-    </p:spTree>
-    <p:extLst>
-      <p:ext uri="{BB962C8B-B14F-4D97-AF65-F5344CB8AC3E}">
-        <p14:creationId xmlns:p14="http://schemas.microsoft.com/office/powerpoint/2010/main" val="3079100504"/>
-      </p:ext>
-    </p:extLst>
-  </p:cSld>
-  <p:clrMapOvr>
-    <a:masterClrMapping/>
-  </p:clrMapOvr>
-</p:sld>
-</file>
-
 <file path=ppt/slides/slide18.xml><?xml version="1.0" encoding="utf-8"?>
 <p:sld xmlns:a="http://schemas.openxmlformats.org/drawingml/2006/main" xmlns:r="http://schemas.openxmlformats.org/officeDocument/2006/relationships" xmlns:p="http://schemas.openxmlformats.org/presentationml/2006/main">
   <p:cSld>
@@ -10759,7 +10875,258 @@
           <p:cNvPr id="2" name="Espace réservé du texte 1">
             <a:extLst>
               <a:ext uri="{FF2B5EF4-FFF2-40B4-BE49-F238E27FC236}">
-                <a16:creationId xmlns:a16="http://schemas.microsoft.com/office/drawing/2014/main" id="{140E6C2E-437D-9511-0D2B-065B635B97BD}"/>
+                <a16:creationId xmlns:a16="http://schemas.microsoft.com/office/drawing/2014/main" id="{D4F30A89-9B4B-CB03-643B-4442B5428F8D}"/>
+              </a:ext>
+            </a:extLst>
+          </p:cNvPr>
+          <p:cNvSpPr>
+            <a:spLocks noGrp="1"/>
+          </p:cNvSpPr>
+          <p:nvPr>
+            <p:ph type="body" sz="quarter" idx="13"/>
+          </p:nvPr>
+        </p:nvSpPr>
+        <p:spPr/>
+        <p:txBody>
+          <a:bodyPr/>
+          <a:lstStyle/>
+          <a:p>
+            <a:r>
+              <a:rPr lang="fr-FR" dirty="0"/>
+              <a:t>Perturbations – Directions (1/4)</a:t>
+            </a:r>
+          </a:p>
+        </p:txBody>
+      </p:sp>
+      <p:sp>
+        <p:nvSpPr>
+          <p:cNvPr id="3" name="Espace réservé du texte 2">
+            <a:extLst>
+              <a:ext uri="{FF2B5EF4-FFF2-40B4-BE49-F238E27FC236}">
+                <a16:creationId xmlns:a16="http://schemas.microsoft.com/office/drawing/2014/main" id="{02E6C5D2-66B0-EF89-7A00-730DA57B2EBA}"/>
+              </a:ext>
+            </a:extLst>
+          </p:cNvPr>
+          <p:cNvSpPr>
+            <a:spLocks noGrp="1"/>
+          </p:cNvSpPr>
+          <p:nvPr>
+            <p:ph type="body" sz="quarter" idx="14"/>
+          </p:nvPr>
+        </p:nvSpPr>
+        <p:spPr>
+          <a:xfrm>
+            <a:off x="942975" y="3241770"/>
+            <a:ext cx="12828588" cy="6386513"/>
+          </a:xfrm>
+        </p:spPr>
+        <p:txBody>
+          <a:bodyPr numCol="1"/>
+          <a:lstStyle/>
+          <a:p>
+            <a:r>
+              <a:rPr lang="fr-FR" sz="2400" dirty="0"/>
+              <a:t>On introduit de même une erreur sur les positions :</a:t>
+            </a:r>
+          </a:p>
+          <a:p>
+            <a:endParaRPr lang="fr-FR" sz="2400" dirty="0"/>
+          </a:p>
+          <a:p>
+            <a:endParaRPr lang="fr-FR" sz="2400" dirty="0"/>
+          </a:p>
+          <a:p>
+            <a:r>
+              <a:rPr lang="fr-FR" sz="2400" dirty="0"/>
+              <a:t>La matrices des visibilités perturbée devient :</a:t>
+            </a:r>
+          </a:p>
+        </p:txBody>
+      </p:sp>
+      <p:pic>
+        <p:nvPicPr>
+          <p:cNvPr id="5" name="Image 4">
+            <a:extLst>
+              <a:ext uri="{FF2B5EF4-FFF2-40B4-BE49-F238E27FC236}">
+                <a16:creationId xmlns:a16="http://schemas.microsoft.com/office/drawing/2014/main" id="{B728FD0E-E458-465C-EE97-F28F64A8C687}"/>
+              </a:ext>
+            </a:extLst>
+          </p:cNvPr>
+          <p:cNvPicPr>
+            <a:picLocks noChangeAspect="1"/>
+          </p:cNvPicPr>
+          <p:nvPr/>
+        </p:nvPicPr>
+        <p:blipFill>
+          <a:blip r:embed="rId2"/>
+          <a:stretch>
+            <a:fillRect/>
+          </a:stretch>
+        </p:blipFill>
+        <p:spPr>
+          <a:xfrm>
+            <a:off x="6643687" y="3899555"/>
+            <a:ext cx="1571625" cy="581025"/>
+          </a:xfrm>
+          <a:prstGeom prst="rect">
+            <a:avLst/>
+          </a:prstGeom>
+        </p:spPr>
+      </p:pic>
+      <p:pic>
+        <p:nvPicPr>
+          <p:cNvPr id="7" name="Image 6">
+            <a:extLst>
+              <a:ext uri="{FF2B5EF4-FFF2-40B4-BE49-F238E27FC236}">
+                <a16:creationId xmlns:a16="http://schemas.microsoft.com/office/drawing/2014/main" id="{F5B51439-5E16-F53C-458A-0E7AC32A569C}"/>
+              </a:ext>
+            </a:extLst>
+          </p:cNvPr>
+          <p:cNvPicPr>
+            <a:picLocks noChangeAspect="1"/>
+          </p:cNvPicPr>
+          <p:nvPr/>
+        </p:nvPicPr>
+        <p:blipFill>
+          <a:blip r:embed="rId3"/>
+          <a:stretch>
+            <a:fillRect/>
+          </a:stretch>
+        </p:blipFill>
+        <p:spPr>
+          <a:xfrm>
+            <a:off x="3024186" y="5140280"/>
+            <a:ext cx="8810625" cy="1123950"/>
+          </a:xfrm>
+          <a:prstGeom prst="rect">
+            <a:avLst/>
+          </a:prstGeom>
+        </p:spPr>
+      </p:pic>
+    </p:spTree>
+    <p:extLst>
+      <p:ext uri="{BB962C8B-B14F-4D97-AF65-F5344CB8AC3E}">
+        <p14:creationId xmlns:p14="http://schemas.microsoft.com/office/powerpoint/2010/main" val="1418989706"/>
+      </p:ext>
+    </p:extLst>
+  </p:cSld>
+  <p:clrMapOvr>
+    <a:masterClrMapping/>
+  </p:clrMapOvr>
+</p:sld>
+</file>
+
+<file path=ppt/slides/slide19.xml><?xml version="1.0" encoding="utf-8"?>
+<p:sld xmlns:a="http://schemas.openxmlformats.org/drawingml/2006/main" xmlns:r="http://schemas.openxmlformats.org/officeDocument/2006/relationships" xmlns:p="http://schemas.openxmlformats.org/presentationml/2006/main">
+  <p:cSld>
+    <p:spTree>
+      <p:nvGrpSpPr>
+        <p:cNvPr id="1" name=""/>
+        <p:cNvGrpSpPr/>
+        <p:nvPr/>
+      </p:nvGrpSpPr>
+      <p:grpSpPr>
+        <a:xfrm>
+          <a:off x="0" y="0"/>
+          <a:ext cx="0" cy="0"/>
+          <a:chOff x="0" y="0"/>
+          <a:chExt cx="0" cy="0"/>
+        </a:xfrm>
+      </p:grpSpPr>
+      <p:sp>
+        <p:nvSpPr>
+          <p:cNvPr id="2" name="Espace réservé du texte 1">
+            <a:extLst>
+              <a:ext uri="{FF2B5EF4-FFF2-40B4-BE49-F238E27FC236}">
+                <a16:creationId xmlns:a16="http://schemas.microsoft.com/office/drawing/2014/main" id="{87301A26-B24C-850A-693F-A8124F093301}"/>
+              </a:ext>
+            </a:extLst>
+          </p:cNvPr>
+          <p:cNvSpPr>
+            <a:spLocks noGrp="1"/>
+          </p:cNvSpPr>
+          <p:nvPr>
+            <p:ph type="body" sz="quarter" idx="13"/>
+          </p:nvPr>
+        </p:nvSpPr>
+        <p:spPr/>
+        <p:txBody>
+          <a:bodyPr/>
+          <a:lstStyle/>
+          <a:p>
+            <a:r>
+              <a:rPr lang="fr-FR" dirty="0"/>
+              <a:t>Perturbations – Directions (2/4) – Une direction</a:t>
+            </a:r>
+          </a:p>
+        </p:txBody>
+      </p:sp>
+      <p:pic>
+        <p:nvPicPr>
+          <p:cNvPr id="5" name="Image 4">
+            <a:extLst>
+              <a:ext uri="{FF2B5EF4-FFF2-40B4-BE49-F238E27FC236}">
+                <a16:creationId xmlns:a16="http://schemas.microsoft.com/office/drawing/2014/main" id="{D1BEEEB2-A4F1-2152-D323-FB72D261B5A1}"/>
+              </a:ext>
+            </a:extLst>
+          </p:cNvPr>
+          <p:cNvPicPr>
+            <a:picLocks noChangeAspect="1"/>
+          </p:cNvPicPr>
+          <p:nvPr/>
+        </p:nvPicPr>
+        <p:blipFill>
+          <a:blip r:embed="rId2"/>
+          <a:stretch>
+            <a:fillRect/>
+          </a:stretch>
+        </p:blipFill>
+        <p:spPr>
+          <a:xfrm>
+            <a:off x="590550" y="2027237"/>
+            <a:ext cx="13677900" cy="6448425"/>
+          </a:xfrm>
+          <a:prstGeom prst="rect">
+            <a:avLst/>
+          </a:prstGeom>
+        </p:spPr>
+      </p:pic>
+    </p:spTree>
+    <p:extLst>
+      <p:ext uri="{BB962C8B-B14F-4D97-AF65-F5344CB8AC3E}">
+        <p14:creationId xmlns:p14="http://schemas.microsoft.com/office/powerpoint/2010/main" val="2980263132"/>
+      </p:ext>
+    </p:extLst>
+  </p:cSld>
+  <p:clrMapOvr>
+    <a:masterClrMapping/>
+  </p:clrMapOvr>
+</p:sld>
+</file>
+
+<file path=ppt/slides/slide2.xml><?xml version="1.0" encoding="utf-8"?>
+<p:sld xmlns:a="http://schemas.openxmlformats.org/drawingml/2006/main" xmlns:r="http://schemas.openxmlformats.org/officeDocument/2006/relationships" xmlns:p="http://schemas.openxmlformats.org/presentationml/2006/main">
+  <p:cSld>
+    <p:spTree>
+      <p:nvGrpSpPr>
+        <p:cNvPr id="1" name=""/>
+        <p:cNvGrpSpPr/>
+        <p:nvPr/>
+      </p:nvGrpSpPr>
+      <p:grpSpPr>
+        <a:xfrm>
+          <a:off x="0" y="0"/>
+          <a:ext cx="0" cy="0"/>
+          <a:chOff x="0" y="0"/>
+          <a:chExt cx="0" cy="0"/>
+        </a:xfrm>
+      </p:grpSpPr>
+      <p:sp>
+        <p:nvSpPr>
+          <p:cNvPr id="2" name="Espace réservé du texte 1">
+            <a:extLst>
+              <a:ext uri="{FF2B5EF4-FFF2-40B4-BE49-F238E27FC236}">
+                <a16:creationId xmlns:a16="http://schemas.microsoft.com/office/drawing/2014/main" id="{82E12C05-25B3-1F38-1C2B-3E749028630C}"/>
               </a:ext>
             </a:extLst>
           </p:cNvPr>
@@ -10777,7 +11144,914 @@
           <a:p>
             <a:r>
               <a:rPr lang="fr-FR" dirty="0"/>
+              <a:t>Contexte</a:t>
+            </a:r>
+          </a:p>
+        </p:txBody>
+      </p:sp>
+      <p:pic>
+        <p:nvPicPr>
+          <p:cNvPr id="4" name="Image 3">
+            <a:extLst>
+              <a:ext uri="{FF2B5EF4-FFF2-40B4-BE49-F238E27FC236}">
+                <a16:creationId xmlns:a16="http://schemas.microsoft.com/office/drawing/2014/main" id="{54D984EE-6CDB-62FE-1744-9AEA93BBCD29}"/>
+              </a:ext>
+            </a:extLst>
+          </p:cNvPr>
+          <p:cNvPicPr>
+            <a:picLocks noChangeAspect="1"/>
+          </p:cNvPicPr>
+          <p:nvPr/>
+        </p:nvPicPr>
+        <p:blipFill>
+          <a:blip r:embed="rId2"/>
+          <a:stretch>
+            <a:fillRect/>
+          </a:stretch>
+        </p:blipFill>
+        <p:spPr>
+          <a:xfrm>
+            <a:off x="2265442" y="3075202"/>
+            <a:ext cx="5850509" cy="4352495"/>
+          </a:xfrm>
+          <a:prstGeom prst="rect">
+            <a:avLst/>
+          </a:prstGeom>
+        </p:spPr>
+      </p:pic>
+      <p:sp>
+        <p:nvSpPr>
+          <p:cNvPr id="5" name="ZoneTexte 4">
+            <a:extLst>
+              <a:ext uri="{FF2B5EF4-FFF2-40B4-BE49-F238E27FC236}">
+                <a16:creationId xmlns:a16="http://schemas.microsoft.com/office/drawing/2014/main" id="{102493E3-D85E-DE32-A939-23B274AD44AE}"/>
+              </a:ext>
+            </a:extLst>
+          </p:cNvPr>
+          <p:cNvSpPr txBox="1"/>
+          <p:nvPr/>
+        </p:nvSpPr>
+        <p:spPr>
+          <a:xfrm>
+            <a:off x="2265442" y="7512424"/>
+            <a:ext cx="5850509" cy="276999"/>
+          </a:xfrm>
+          <a:prstGeom prst="rect">
+            <a:avLst/>
+          </a:prstGeom>
+          <a:noFill/>
+        </p:spPr>
+        <p:txBody>
+          <a:bodyPr wrap="square" rtlCol="0">
+            <a:spAutoFit/>
+          </a:bodyPr>
+          <a:lstStyle/>
+          <a:p>
+            <a:r>
+              <a:rPr lang="fr-FR" sz="1200" dirty="0">
+                <a:solidFill>
+                  <a:schemeClr val="bg1"/>
+                </a:solidFill>
+              </a:rPr>
+              <a:t>Very Large </a:t>
+            </a:r>
+            <a:r>
+              <a:rPr lang="fr-FR" sz="1200" dirty="0" err="1">
+                <a:solidFill>
+                  <a:schemeClr val="bg1"/>
+                </a:solidFill>
+              </a:rPr>
+              <a:t>Array</a:t>
+            </a:r>
+            <a:r>
+              <a:rPr lang="fr-FR" sz="1200" dirty="0">
+                <a:solidFill>
+                  <a:schemeClr val="bg1"/>
+                </a:solidFill>
+              </a:rPr>
+              <a:t> (VLA), Nouveau Mexique</a:t>
+            </a:r>
+          </a:p>
+        </p:txBody>
+      </p:sp>
+    </p:spTree>
+    <p:extLst>
+      <p:ext uri="{BB962C8B-B14F-4D97-AF65-F5344CB8AC3E}">
+        <p14:creationId xmlns:p14="http://schemas.microsoft.com/office/powerpoint/2010/main" val="3012086686"/>
+      </p:ext>
+    </p:extLst>
+  </p:cSld>
+  <p:clrMapOvr>
+    <a:masterClrMapping/>
+  </p:clrMapOvr>
+</p:sld>
+</file>
+
+<file path=ppt/slides/slide20.xml><?xml version="1.0" encoding="utf-8"?>
+<p:sld xmlns:a="http://schemas.openxmlformats.org/drawingml/2006/main" xmlns:r="http://schemas.openxmlformats.org/officeDocument/2006/relationships" xmlns:p="http://schemas.openxmlformats.org/presentationml/2006/main">
+  <p:cSld>
+    <p:spTree>
+      <p:nvGrpSpPr>
+        <p:cNvPr id="1" name=""/>
+        <p:cNvGrpSpPr/>
+        <p:nvPr/>
+      </p:nvGrpSpPr>
+      <p:grpSpPr>
+        <a:xfrm>
+          <a:off x="0" y="0"/>
+          <a:ext cx="0" cy="0"/>
+          <a:chOff x="0" y="0"/>
+          <a:chExt cx="0" cy="0"/>
+        </a:xfrm>
+      </p:grpSpPr>
+      <p:sp>
+        <p:nvSpPr>
+          <p:cNvPr id="2" name="Espace réservé du texte 1">
+            <a:extLst>
+              <a:ext uri="{FF2B5EF4-FFF2-40B4-BE49-F238E27FC236}">
+                <a16:creationId xmlns:a16="http://schemas.microsoft.com/office/drawing/2014/main" id="{C59CB7FA-DFC1-33AA-92B4-5E4FB35CDD74}"/>
+              </a:ext>
+            </a:extLst>
+          </p:cNvPr>
+          <p:cNvSpPr>
+            <a:spLocks noGrp="1"/>
+          </p:cNvSpPr>
+          <p:nvPr>
+            <p:ph type="body" sz="quarter" idx="13"/>
+          </p:nvPr>
+        </p:nvSpPr>
+        <p:spPr/>
+        <p:txBody>
+          <a:bodyPr/>
+          <a:lstStyle/>
+          <a:p>
+            <a:r>
+              <a:rPr lang="fr-FR" dirty="0"/>
+              <a:t>Perturbations – Directions (3/4) – Une direction</a:t>
+            </a:r>
+          </a:p>
+        </p:txBody>
+      </p:sp>
+      <p:sp>
+        <p:nvSpPr>
+          <p:cNvPr id="3" name="Espace réservé du texte 2">
+            <a:extLst>
+              <a:ext uri="{FF2B5EF4-FFF2-40B4-BE49-F238E27FC236}">
+                <a16:creationId xmlns:a16="http://schemas.microsoft.com/office/drawing/2014/main" id="{0CC0D304-70CD-296A-0C07-1158E0BDEFF9}"/>
+              </a:ext>
+            </a:extLst>
+          </p:cNvPr>
+          <p:cNvSpPr>
+            <a:spLocks noGrp="1"/>
+          </p:cNvSpPr>
+          <p:nvPr>
+            <p:ph type="body" sz="quarter" idx="14"/>
+          </p:nvPr>
+        </p:nvSpPr>
+        <p:spPr/>
+        <p:txBody>
+          <a:bodyPr/>
+          <a:lstStyle/>
+          <a:p>
+            <a:endParaRPr lang="fr-FR"/>
+          </a:p>
+        </p:txBody>
+      </p:sp>
+      <p:pic>
+        <p:nvPicPr>
+          <p:cNvPr id="5" name="Image 4">
+            <a:extLst>
+              <a:ext uri="{FF2B5EF4-FFF2-40B4-BE49-F238E27FC236}">
+                <a16:creationId xmlns:a16="http://schemas.microsoft.com/office/drawing/2014/main" id="{F6314D9A-493C-8528-1F34-75ACB8939540}"/>
+              </a:ext>
+            </a:extLst>
+          </p:cNvPr>
+          <p:cNvPicPr>
+            <a:picLocks noChangeAspect="1"/>
+          </p:cNvPicPr>
+          <p:nvPr/>
+        </p:nvPicPr>
+        <p:blipFill>
+          <a:blip r:embed="rId2"/>
+          <a:stretch>
+            <a:fillRect/>
+          </a:stretch>
+        </p:blipFill>
+        <p:spPr>
+          <a:xfrm>
+            <a:off x="3628085" y="2108199"/>
+            <a:ext cx="7458075" cy="7019925"/>
+          </a:xfrm>
+          <a:prstGeom prst="rect">
+            <a:avLst/>
+          </a:prstGeom>
+        </p:spPr>
+      </p:pic>
+    </p:spTree>
+    <p:extLst>
+      <p:ext uri="{BB962C8B-B14F-4D97-AF65-F5344CB8AC3E}">
+        <p14:creationId xmlns:p14="http://schemas.microsoft.com/office/powerpoint/2010/main" val="3462263332"/>
+      </p:ext>
+    </p:extLst>
+  </p:cSld>
+  <p:clrMapOvr>
+    <a:masterClrMapping/>
+  </p:clrMapOvr>
+</p:sld>
+</file>
+
+<file path=ppt/slides/slide21.xml><?xml version="1.0" encoding="utf-8"?>
+<p:sld xmlns:a="http://schemas.openxmlformats.org/drawingml/2006/main" xmlns:r="http://schemas.openxmlformats.org/officeDocument/2006/relationships" xmlns:p="http://schemas.openxmlformats.org/presentationml/2006/main">
+  <p:cSld>
+    <p:spTree>
+      <p:nvGrpSpPr>
+        <p:cNvPr id="1" name=""/>
+        <p:cNvGrpSpPr/>
+        <p:nvPr/>
+      </p:nvGrpSpPr>
+      <p:grpSpPr>
+        <a:xfrm>
+          <a:off x="0" y="0"/>
+          <a:ext cx="0" cy="0"/>
+          <a:chOff x="0" y="0"/>
+          <a:chExt cx="0" cy="0"/>
+        </a:xfrm>
+      </p:grpSpPr>
+      <p:sp>
+        <p:nvSpPr>
+          <p:cNvPr id="2" name="Espace réservé du texte 1">
+            <a:extLst>
+              <a:ext uri="{FF2B5EF4-FFF2-40B4-BE49-F238E27FC236}">
+                <a16:creationId xmlns:a16="http://schemas.microsoft.com/office/drawing/2014/main" id="{D25FD919-F3CC-EFE1-B312-DBDA82282A25}"/>
+              </a:ext>
+            </a:extLst>
+          </p:cNvPr>
+          <p:cNvSpPr>
+            <a:spLocks noGrp="1"/>
+          </p:cNvSpPr>
+          <p:nvPr>
+            <p:ph type="body" sz="quarter" idx="13"/>
+          </p:nvPr>
+        </p:nvSpPr>
+        <p:spPr/>
+        <p:txBody>
+          <a:bodyPr/>
+          <a:lstStyle/>
+          <a:p>
+            <a:r>
+              <a:rPr lang="fr-FR" dirty="0"/>
+              <a:t>Perturbations – Directions (4/4) – Toutes les directions</a:t>
+            </a:r>
+          </a:p>
+        </p:txBody>
+      </p:sp>
+      <p:sp>
+        <p:nvSpPr>
+          <p:cNvPr id="3" name="Espace réservé du texte 2">
+            <a:extLst>
+              <a:ext uri="{FF2B5EF4-FFF2-40B4-BE49-F238E27FC236}">
+                <a16:creationId xmlns:a16="http://schemas.microsoft.com/office/drawing/2014/main" id="{C80922F9-CC55-7DCA-6765-13EA0378265D}"/>
+              </a:ext>
+            </a:extLst>
+          </p:cNvPr>
+          <p:cNvSpPr>
+            <a:spLocks noGrp="1"/>
+          </p:cNvSpPr>
+          <p:nvPr>
+            <p:ph type="body" sz="quarter" idx="14"/>
+          </p:nvPr>
+        </p:nvSpPr>
+        <p:spPr/>
+        <p:txBody>
+          <a:bodyPr/>
+          <a:lstStyle/>
+          <a:p>
+            <a:endParaRPr lang="fr-FR"/>
+          </a:p>
+        </p:txBody>
+      </p:sp>
+      <p:pic>
+        <p:nvPicPr>
+          <p:cNvPr id="5" name="Image 4">
+            <a:extLst>
+              <a:ext uri="{FF2B5EF4-FFF2-40B4-BE49-F238E27FC236}">
+                <a16:creationId xmlns:a16="http://schemas.microsoft.com/office/drawing/2014/main" id="{79C2DBB5-F9FC-C9D1-C62E-2D3E6EC7E975}"/>
+              </a:ext>
+            </a:extLst>
+          </p:cNvPr>
+          <p:cNvPicPr>
+            <a:picLocks noChangeAspect="1"/>
+          </p:cNvPicPr>
+          <p:nvPr/>
+        </p:nvPicPr>
+        <p:blipFill>
+          <a:blip r:embed="rId2"/>
+          <a:stretch>
+            <a:fillRect/>
+          </a:stretch>
+        </p:blipFill>
+        <p:spPr>
+          <a:xfrm>
+            <a:off x="819150" y="2136775"/>
+            <a:ext cx="13220700" cy="6229350"/>
+          </a:xfrm>
+          <a:prstGeom prst="rect">
+            <a:avLst/>
+          </a:prstGeom>
+        </p:spPr>
+      </p:pic>
+    </p:spTree>
+    <p:extLst>
+      <p:ext uri="{BB962C8B-B14F-4D97-AF65-F5344CB8AC3E}">
+        <p14:creationId xmlns:p14="http://schemas.microsoft.com/office/powerpoint/2010/main" val="1599764608"/>
+      </p:ext>
+    </p:extLst>
+  </p:cSld>
+  <p:clrMapOvr>
+    <a:masterClrMapping/>
+  </p:clrMapOvr>
+</p:sld>
+</file>
+
+<file path=ppt/slides/slide22.xml><?xml version="1.0" encoding="utf-8"?>
+<p:sld xmlns:a="http://schemas.openxmlformats.org/drawingml/2006/main" xmlns:r="http://schemas.openxmlformats.org/officeDocument/2006/relationships" xmlns:p="http://schemas.openxmlformats.org/presentationml/2006/main">
+  <p:cSld>
+    <p:spTree>
+      <p:nvGrpSpPr>
+        <p:cNvPr id="1" name=""/>
+        <p:cNvGrpSpPr/>
+        <p:nvPr/>
+      </p:nvGrpSpPr>
+      <p:grpSpPr>
+        <a:xfrm>
+          <a:off x="0" y="0"/>
+          <a:ext cx="0" cy="0"/>
+          <a:chOff x="0" y="0"/>
+          <a:chExt cx="0" cy="0"/>
+        </a:xfrm>
+      </p:grpSpPr>
+      <p:sp>
+        <p:nvSpPr>
+          <p:cNvPr id="2" name="Espace réservé du texte 1">
+            <a:extLst>
+              <a:ext uri="{FF2B5EF4-FFF2-40B4-BE49-F238E27FC236}">
+                <a16:creationId xmlns:a16="http://schemas.microsoft.com/office/drawing/2014/main" id="{58316333-5080-7189-4B3F-190C9E906FDF}"/>
+              </a:ext>
+            </a:extLst>
+          </p:cNvPr>
+          <p:cNvSpPr>
+            <a:spLocks noGrp="1"/>
+          </p:cNvSpPr>
+          <p:nvPr>
+            <p:ph type="body" sz="quarter" idx="10"/>
+          </p:nvPr>
+        </p:nvSpPr>
+        <p:spPr>
+          <a:xfrm>
+            <a:off x="1001876" y="4617529"/>
+            <a:ext cx="8850336" cy="2451100"/>
+          </a:xfrm>
+        </p:spPr>
+        <p:txBody>
+          <a:bodyPr/>
+          <a:lstStyle/>
+          <a:p>
+            <a:r>
+              <a:rPr lang="fr-FR" dirty="0"/>
+              <a:t>Essai de correction expérimentale</a:t>
+            </a:r>
+          </a:p>
+        </p:txBody>
+      </p:sp>
+    </p:spTree>
+    <p:extLst>
+      <p:ext uri="{BB962C8B-B14F-4D97-AF65-F5344CB8AC3E}">
+        <p14:creationId xmlns:p14="http://schemas.microsoft.com/office/powerpoint/2010/main" val="3079100504"/>
+      </p:ext>
+    </p:extLst>
+  </p:cSld>
+  <p:clrMapOvr>
+    <a:masterClrMapping/>
+  </p:clrMapOvr>
+</p:sld>
+</file>
+
+<file path=ppt/slides/slide23.xml><?xml version="1.0" encoding="utf-8"?>
+<p:sld xmlns:a="http://schemas.openxmlformats.org/drawingml/2006/main" xmlns:r="http://schemas.openxmlformats.org/officeDocument/2006/relationships" xmlns:p="http://schemas.openxmlformats.org/presentationml/2006/main">
+  <p:cSld>
+    <p:spTree>
+      <p:nvGrpSpPr>
+        <p:cNvPr id="1" name=""/>
+        <p:cNvGrpSpPr/>
+        <p:nvPr/>
+      </p:nvGrpSpPr>
+      <p:grpSpPr>
+        <a:xfrm>
+          <a:off x="0" y="0"/>
+          <a:ext cx="0" cy="0"/>
+          <a:chOff x="0" y="0"/>
+          <a:chExt cx="0" cy="0"/>
+        </a:xfrm>
+      </p:grpSpPr>
+      <p:sp>
+        <p:nvSpPr>
+          <p:cNvPr id="2" name="Espace réservé du texte 1">
+            <a:extLst>
+              <a:ext uri="{FF2B5EF4-FFF2-40B4-BE49-F238E27FC236}">
+                <a16:creationId xmlns:a16="http://schemas.microsoft.com/office/drawing/2014/main" id="{2EEDC1C6-E3C2-ACD2-98E5-9F2ADE02F84F}"/>
+              </a:ext>
+            </a:extLst>
+          </p:cNvPr>
+          <p:cNvSpPr>
+            <a:spLocks noGrp="1"/>
+          </p:cNvSpPr>
+          <p:nvPr>
+            <p:ph type="body" sz="quarter" idx="13"/>
+          </p:nvPr>
+        </p:nvSpPr>
+        <p:spPr/>
+        <p:txBody>
+          <a:bodyPr/>
+          <a:lstStyle/>
+          <a:p>
+            <a:r>
+              <a:rPr lang="fr-FR" dirty="0"/>
+              <a:t>Correction</a:t>
+            </a:r>
+          </a:p>
+        </p:txBody>
+      </p:sp>
+      <p:sp>
+        <p:nvSpPr>
+          <p:cNvPr id="3" name="Espace réservé du texte 2">
+            <a:extLst>
+              <a:ext uri="{FF2B5EF4-FFF2-40B4-BE49-F238E27FC236}">
+                <a16:creationId xmlns:a16="http://schemas.microsoft.com/office/drawing/2014/main" id="{858A01C7-E186-ACD6-AC1A-A752293E3CE6}"/>
+              </a:ext>
+            </a:extLst>
+          </p:cNvPr>
+          <p:cNvSpPr>
+            <a:spLocks noGrp="1"/>
+          </p:cNvSpPr>
+          <p:nvPr>
+            <p:ph type="body" sz="quarter" idx="14"/>
+          </p:nvPr>
+        </p:nvSpPr>
+        <p:spPr/>
+        <p:txBody>
+          <a:bodyPr numCol="1"/>
+          <a:lstStyle/>
+          <a:p>
+            <a:r>
+              <a:rPr lang="fr-FR" sz="2400" dirty="0"/>
+              <a:t>On cherche à résoudre le problème :</a:t>
+            </a:r>
+          </a:p>
+          <a:p>
+            <a:endParaRPr lang="fr-FR" sz="2400" dirty="0"/>
+          </a:p>
+          <a:p>
+            <a:endParaRPr lang="fr-FR" sz="2400" dirty="0"/>
+          </a:p>
+          <a:p>
+            <a:r>
+              <a:rPr lang="fr-FR" sz="2400" dirty="0"/>
+              <a:t>Où :</a:t>
+            </a:r>
+          </a:p>
+          <a:p>
+            <a:endParaRPr lang="fr-FR" sz="2400" dirty="0"/>
+          </a:p>
+          <a:p>
+            <a:endParaRPr lang="fr-FR" sz="2400" dirty="0"/>
+          </a:p>
+          <a:p>
+            <a:endParaRPr lang="fr-FR" sz="2400" dirty="0"/>
+          </a:p>
+          <a:p>
+            <a:r>
+              <a:rPr lang="fr-FR" sz="2400" dirty="0"/>
+              <a:t>Pour obtenir le vecteur de correction u tel que :</a:t>
+            </a:r>
+          </a:p>
+          <a:p>
+            <a:endParaRPr lang="fr-FR" sz="2400" dirty="0"/>
+          </a:p>
+          <a:p>
+            <a:endParaRPr lang="fr-FR" sz="2400" dirty="0"/>
+          </a:p>
+          <a:p>
+            <a:endParaRPr lang="fr-FR" sz="2400" dirty="0"/>
+          </a:p>
+          <a:p>
+            <a:r>
+              <a:rPr lang="fr-FR" sz="2400" dirty="0"/>
+              <a:t>On obtient :</a:t>
+            </a:r>
+          </a:p>
+        </p:txBody>
+      </p:sp>
+      <p:pic>
+        <p:nvPicPr>
+          <p:cNvPr id="5" name="Image 4">
+            <a:extLst>
+              <a:ext uri="{FF2B5EF4-FFF2-40B4-BE49-F238E27FC236}">
+                <a16:creationId xmlns:a16="http://schemas.microsoft.com/office/drawing/2014/main" id="{4E679058-341C-9540-E9D5-AFD18741C860}"/>
+              </a:ext>
+            </a:extLst>
+          </p:cNvPr>
+          <p:cNvPicPr>
+            <a:picLocks noChangeAspect="1"/>
+          </p:cNvPicPr>
+          <p:nvPr/>
+        </p:nvPicPr>
+        <p:blipFill>
+          <a:blip r:embed="rId2"/>
+          <a:stretch>
+            <a:fillRect/>
+          </a:stretch>
+        </p:blipFill>
+        <p:spPr>
+          <a:xfrm>
+            <a:off x="6034087" y="2514413"/>
+            <a:ext cx="2790825" cy="704850"/>
+          </a:xfrm>
+          <a:prstGeom prst="rect">
+            <a:avLst/>
+          </a:prstGeom>
+        </p:spPr>
+      </p:pic>
+      <p:pic>
+        <p:nvPicPr>
+          <p:cNvPr id="7" name="Image 6">
+            <a:extLst>
+              <a:ext uri="{FF2B5EF4-FFF2-40B4-BE49-F238E27FC236}">
+                <a16:creationId xmlns:a16="http://schemas.microsoft.com/office/drawing/2014/main" id="{40D96B04-B14B-469C-8F01-C8775D4BA80B}"/>
+              </a:ext>
+            </a:extLst>
+          </p:cNvPr>
+          <p:cNvPicPr>
+            <a:picLocks noChangeAspect="1"/>
+          </p:cNvPicPr>
+          <p:nvPr/>
+        </p:nvPicPr>
+        <p:blipFill>
+          <a:blip r:embed="rId3"/>
+          <a:stretch>
+            <a:fillRect/>
+          </a:stretch>
+        </p:blipFill>
+        <p:spPr>
+          <a:xfrm>
+            <a:off x="5191124" y="3725488"/>
+            <a:ext cx="4476750" cy="990600"/>
+          </a:xfrm>
+          <a:prstGeom prst="rect">
+            <a:avLst/>
+          </a:prstGeom>
+        </p:spPr>
+      </p:pic>
+      <p:pic>
+        <p:nvPicPr>
+          <p:cNvPr id="9" name="Image 8">
+            <a:extLst>
+              <a:ext uri="{FF2B5EF4-FFF2-40B4-BE49-F238E27FC236}">
+                <a16:creationId xmlns:a16="http://schemas.microsoft.com/office/drawing/2014/main" id="{3A89EB54-9931-FE15-BC33-1A69E1670AFA}"/>
+              </a:ext>
+            </a:extLst>
+          </p:cNvPr>
+          <p:cNvPicPr>
+            <a:picLocks noChangeAspect="1"/>
+          </p:cNvPicPr>
+          <p:nvPr/>
+        </p:nvPicPr>
+        <p:blipFill>
+          <a:blip r:embed="rId4"/>
+          <a:stretch>
+            <a:fillRect/>
+          </a:stretch>
+        </p:blipFill>
+        <p:spPr>
+          <a:xfrm>
+            <a:off x="6710361" y="5871413"/>
+            <a:ext cx="1438275" cy="561975"/>
+          </a:xfrm>
+          <a:prstGeom prst="rect">
+            <a:avLst/>
+          </a:prstGeom>
+        </p:spPr>
+      </p:pic>
+      <p:pic>
+        <p:nvPicPr>
+          <p:cNvPr id="11" name="Image 10">
+            <a:extLst>
+              <a:ext uri="{FF2B5EF4-FFF2-40B4-BE49-F238E27FC236}">
+                <a16:creationId xmlns:a16="http://schemas.microsoft.com/office/drawing/2014/main" id="{D7BAC2CE-4AAA-AE11-4154-56C3ED0DED77}"/>
+              </a:ext>
+            </a:extLst>
+          </p:cNvPr>
+          <p:cNvPicPr>
+            <a:picLocks noChangeAspect="1"/>
+          </p:cNvPicPr>
+          <p:nvPr/>
+        </p:nvPicPr>
+        <p:blipFill>
+          <a:blip r:embed="rId5"/>
+          <a:stretch>
+            <a:fillRect/>
+          </a:stretch>
+        </p:blipFill>
+        <p:spPr>
+          <a:xfrm>
+            <a:off x="4818710" y="7717258"/>
+            <a:ext cx="5076825" cy="619125"/>
+          </a:xfrm>
+          <a:prstGeom prst="rect">
+            <a:avLst/>
+          </a:prstGeom>
+        </p:spPr>
+      </p:pic>
+    </p:spTree>
+    <p:extLst>
+      <p:ext uri="{BB962C8B-B14F-4D97-AF65-F5344CB8AC3E}">
+        <p14:creationId xmlns:p14="http://schemas.microsoft.com/office/powerpoint/2010/main" val="2408831470"/>
+      </p:ext>
+    </p:extLst>
+  </p:cSld>
+  <p:clrMapOvr>
+    <a:masterClrMapping/>
+  </p:clrMapOvr>
+</p:sld>
+</file>
+
+<file path=ppt/slides/slide24.xml><?xml version="1.0" encoding="utf-8"?>
+<p:sld xmlns:a="http://schemas.openxmlformats.org/drawingml/2006/main" xmlns:r="http://schemas.openxmlformats.org/officeDocument/2006/relationships" xmlns:p="http://schemas.openxmlformats.org/presentationml/2006/main">
+  <p:cSld>
+    <p:spTree>
+      <p:nvGrpSpPr>
+        <p:cNvPr id="1" name=""/>
+        <p:cNvGrpSpPr/>
+        <p:nvPr/>
+      </p:nvGrpSpPr>
+      <p:grpSpPr>
+        <a:xfrm>
+          <a:off x="0" y="0"/>
+          <a:ext cx="0" cy="0"/>
+          <a:chOff x="0" y="0"/>
+          <a:chExt cx="0" cy="0"/>
+        </a:xfrm>
+      </p:grpSpPr>
+      <p:sp>
+        <p:nvSpPr>
+          <p:cNvPr id="2" name="Espace réservé du texte 1">
+            <a:extLst>
+              <a:ext uri="{FF2B5EF4-FFF2-40B4-BE49-F238E27FC236}">
+                <a16:creationId xmlns:a16="http://schemas.microsoft.com/office/drawing/2014/main" id="{140E6C2E-437D-9511-0D2B-065B635B97BD}"/>
+              </a:ext>
+            </a:extLst>
+          </p:cNvPr>
+          <p:cNvSpPr>
+            <a:spLocks noGrp="1"/>
+          </p:cNvSpPr>
+          <p:nvPr>
+            <p:ph type="body" sz="quarter" idx="10"/>
+          </p:nvPr>
+        </p:nvSpPr>
+        <p:spPr>
+          <a:xfrm>
+            <a:off x="1001876" y="1094400"/>
+            <a:ext cx="4188821" cy="806118"/>
+          </a:xfrm>
+        </p:spPr>
+        <p:txBody>
+          <a:bodyPr/>
+          <a:lstStyle/>
+          <a:p>
+            <a:r>
+              <a:rPr lang="fr-FR" dirty="0"/>
               <a:t>Conclusion</a:t>
+            </a:r>
+          </a:p>
+        </p:txBody>
+      </p:sp>
+      <p:sp>
+        <p:nvSpPr>
+          <p:cNvPr id="3" name="ZoneTexte 2">
+            <a:extLst>
+              <a:ext uri="{FF2B5EF4-FFF2-40B4-BE49-F238E27FC236}">
+                <a16:creationId xmlns:a16="http://schemas.microsoft.com/office/drawing/2014/main" id="{DBFAB083-DBFE-2EC1-6E18-6D1B5C2C85A4}"/>
+              </a:ext>
+            </a:extLst>
+          </p:cNvPr>
+          <p:cNvSpPr txBox="1"/>
+          <p:nvPr/>
+        </p:nvSpPr>
+        <p:spPr>
+          <a:xfrm>
+            <a:off x="953788" y="3864214"/>
+            <a:ext cx="8473818" cy="2774471"/>
+          </a:xfrm>
+          <a:prstGeom prst="rect">
+            <a:avLst/>
+          </a:prstGeom>
+          <a:ln w="3175">
+            <a:miter lim="400000"/>
+          </a:ln>
+          <a:extLst>
+            <a:ext uri="{C572A759-6A51-4108-AA02-DFA0A04FC94B}">
+              <ma14:wrappingTextBoxFlag xmlns:ma14="http://schemas.microsoft.com/office/mac/drawingml/2011/main" xmlns:a14="http://schemas.microsoft.com/office/drawing/2010/main" xmlns:m="http://schemas.openxmlformats.org/officeDocument/2006/math" xmlns="" val="1"/>
+            </a:ext>
+          </a:extLst>
+        </p:spPr>
+        <p:txBody>
+          <a:bodyPr wrap="square" lIns="54702" tIns="54702" rIns="54702" bIns="54702" rtlCol="0">
+            <a:spAutoFit/>
+          </a:bodyPr>
+          <a:lstStyle/>
+          <a:p>
+            <a:pPr marL="457200" indent="-457200" algn="l" defTabSz="457200">
+              <a:lnSpc>
+                <a:spcPct val="90000"/>
+              </a:lnSpc>
+              <a:buFont typeface="Arial" panose="020B0604020202020204" pitchFamily="34" charset="0"/>
+              <a:buChar char="•"/>
+            </a:pPr>
+            <a:r>
+              <a:rPr lang="fr-FR" sz="2400" dirty="0">
+                <a:solidFill>
+                  <a:schemeClr val="bg1"/>
+                </a:solidFill>
+                <a:latin typeface="DM Sans Bold"/>
+                <a:ea typeface="DM Sans Bold"/>
+                <a:cs typeface="DM Sans Bold"/>
+                <a:sym typeface="DM Sans Bold"/>
+              </a:rPr>
+              <a:t>Précision de 0,5% sur les positions</a:t>
+            </a:r>
+          </a:p>
+          <a:p>
+            <a:pPr marL="457200" indent="-457200" algn="l" defTabSz="457200">
+              <a:lnSpc>
+                <a:spcPct val="90000"/>
+              </a:lnSpc>
+              <a:buFont typeface="Arial" panose="020B0604020202020204" pitchFamily="34" charset="0"/>
+              <a:buChar char="•"/>
+            </a:pPr>
+            <a:endParaRPr lang="fr-FR" sz="2400" dirty="0">
+              <a:solidFill>
+                <a:schemeClr val="bg1"/>
+              </a:solidFill>
+              <a:latin typeface="DM Sans Bold"/>
+              <a:ea typeface="DM Sans Bold"/>
+              <a:cs typeface="DM Sans Bold"/>
+              <a:sym typeface="DM Sans Bold"/>
+            </a:endParaRPr>
+          </a:p>
+          <a:p>
+            <a:pPr marL="457200" indent="-457200" algn="l" defTabSz="457200">
+              <a:lnSpc>
+                <a:spcPct val="90000"/>
+              </a:lnSpc>
+              <a:buFont typeface="Arial" panose="020B0604020202020204" pitchFamily="34" charset="0"/>
+              <a:buChar char="•"/>
+            </a:pPr>
+            <a:r>
+              <a:rPr lang="fr-FR" sz="2400" dirty="0">
+                <a:solidFill>
+                  <a:schemeClr val="bg1"/>
+                </a:solidFill>
+                <a:latin typeface="DM Sans Bold"/>
+                <a:ea typeface="DM Sans Bold"/>
+                <a:cs typeface="DM Sans Bold"/>
+                <a:sym typeface="DM Sans Bold"/>
+              </a:rPr>
+              <a:t>Précision de 0,1% sur les directions</a:t>
+            </a:r>
+          </a:p>
+          <a:p>
+            <a:pPr marL="457200" indent="-457200" algn="l" defTabSz="457200">
+              <a:lnSpc>
+                <a:spcPct val="90000"/>
+              </a:lnSpc>
+              <a:buFont typeface="Arial" panose="020B0604020202020204" pitchFamily="34" charset="0"/>
+              <a:buChar char="•"/>
+            </a:pPr>
+            <a:endParaRPr lang="fr-FR" sz="2400" dirty="0">
+              <a:solidFill>
+                <a:schemeClr val="bg1"/>
+              </a:solidFill>
+              <a:latin typeface="DM Sans Bold"/>
+              <a:ea typeface="DM Sans Bold"/>
+              <a:cs typeface="DM Sans Bold"/>
+              <a:sym typeface="DM Sans Bold"/>
+            </a:endParaRPr>
+          </a:p>
+          <a:p>
+            <a:pPr marL="457200" indent="-457200" algn="l" defTabSz="457200">
+              <a:lnSpc>
+                <a:spcPct val="90000"/>
+              </a:lnSpc>
+              <a:buFont typeface="Arial" panose="020B0604020202020204" pitchFamily="34" charset="0"/>
+              <a:buChar char="•"/>
+            </a:pPr>
+            <a:r>
+              <a:rPr lang="fr-FR" sz="2400" dirty="0">
+                <a:solidFill>
+                  <a:schemeClr val="bg1"/>
+                </a:solidFill>
+                <a:latin typeface="DM Sans Bold"/>
+                <a:ea typeface="DM Sans Bold"/>
+                <a:cs typeface="DM Sans Bold"/>
+                <a:sym typeface="DM Sans Bold"/>
+              </a:rPr>
+              <a:t>Utilisation de </a:t>
+            </a:r>
+            <a:r>
+              <a:rPr lang="fr-FR" sz="2400" dirty="0" err="1">
+                <a:solidFill>
+                  <a:schemeClr val="bg1"/>
+                </a:solidFill>
+                <a:latin typeface="DM Sans Bold"/>
+                <a:ea typeface="DM Sans Bold"/>
+                <a:cs typeface="DM Sans Bold"/>
+                <a:sym typeface="DM Sans Bold"/>
+              </a:rPr>
+              <a:t>lsqnonlin</a:t>
+            </a:r>
+            <a:r>
+              <a:rPr lang="fr-FR" sz="2400" dirty="0">
+                <a:solidFill>
+                  <a:schemeClr val="bg1"/>
+                </a:solidFill>
+                <a:latin typeface="DM Sans Bold"/>
+                <a:ea typeface="DM Sans Bold"/>
+                <a:cs typeface="DM Sans Bold"/>
+                <a:sym typeface="DM Sans Bold"/>
+              </a:rPr>
+              <a:t> </a:t>
+            </a:r>
+            <a:r>
+              <a:rPr lang="fr-FR" sz="2400" i="1" dirty="0">
+                <a:solidFill>
+                  <a:schemeClr val="bg1"/>
+                </a:solidFill>
+                <a:latin typeface="DM Sans Bold"/>
+                <a:ea typeface="DM Sans Bold"/>
+                <a:cs typeface="DM Sans Bold"/>
+                <a:sym typeface="DM Sans Bold"/>
+              </a:rPr>
+              <a:t>a posteriori</a:t>
+            </a:r>
+            <a:r>
+              <a:rPr lang="fr-FR" sz="2400" dirty="0">
+                <a:solidFill>
+                  <a:schemeClr val="bg1"/>
+                </a:solidFill>
+                <a:latin typeface="DM Sans Bold"/>
+                <a:ea typeface="DM Sans Bold"/>
+                <a:cs typeface="DM Sans Bold"/>
+                <a:sym typeface="DM Sans Bold"/>
+              </a:rPr>
+              <a:t> impossible</a:t>
+            </a:r>
+          </a:p>
+          <a:p>
+            <a:pPr marL="457200" indent="-457200" algn="l" defTabSz="457200">
+              <a:lnSpc>
+                <a:spcPct val="90000"/>
+              </a:lnSpc>
+              <a:buFont typeface="Arial" panose="020B0604020202020204" pitchFamily="34" charset="0"/>
+              <a:buChar char="•"/>
+            </a:pPr>
+            <a:endParaRPr lang="fr-FR" sz="2400" dirty="0">
+              <a:solidFill>
+                <a:schemeClr val="bg1"/>
+              </a:solidFill>
+              <a:latin typeface="DM Sans Bold"/>
+              <a:ea typeface="DM Sans Bold"/>
+              <a:cs typeface="DM Sans Bold"/>
+              <a:sym typeface="DM Sans Bold"/>
+            </a:endParaRPr>
+          </a:p>
+          <a:p>
+            <a:pPr marL="457200" indent="-457200" algn="l" defTabSz="457200">
+              <a:lnSpc>
+                <a:spcPct val="90000"/>
+              </a:lnSpc>
+              <a:buFont typeface="Arial" panose="020B0604020202020204" pitchFamily="34" charset="0"/>
+              <a:buChar char="•"/>
+            </a:pPr>
+            <a:r>
+              <a:rPr lang="fr-FR" sz="2400" dirty="0">
+                <a:solidFill>
+                  <a:schemeClr val="bg1"/>
+                </a:solidFill>
+                <a:latin typeface="DM Sans Bold"/>
+                <a:ea typeface="DM Sans Bold"/>
+                <a:cs typeface="DM Sans Bold"/>
+                <a:sym typeface="DM Sans Bold"/>
+              </a:rPr>
+              <a:t>Utilisation du filtre de Kalman possible en radio astronomie dans les bonnes conditions</a:t>
             </a:r>
           </a:p>
         </p:txBody>
@@ -10796,7 +12070,7 @@
 </p:sld>
 </file>
 
-<file path=ppt/slides/slide19.xml><?xml version="1.0" encoding="utf-8"?>
+<file path=ppt/slides/slide25.xml><?xml version="1.0" encoding="utf-8"?>
 <p:sld xmlns:a="http://schemas.openxmlformats.org/drawingml/2006/main" xmlns:r="http://schemas.openxmlformats.org/officeDocument/2006/relationships" xmlns:p="http://schemas.openxmlformats.org/presentationml/2006/main">
   <p:cSld>
     <p:spTree>
@@ -10884,150 +12158,7 @@
 </p:sld>
 </file>
 
-<file path=ppt/slides/slide2.xml><?xml version="1.0" encoding="utf-8"?>
-<p:sld xmlns:a="http://schemas.openxmlformats.org/drawingml/2006/main" xmlns:r="http://schemas.openxmlformats.org/officeDocument/2006/relationships" xmlns:p="http://schemas.openxmlformats.org/presentationml/2006/main">
-  <p:cSld>
-    <p:spTree>
-      <p:nvGrpSpPr>
-        <p:cNvPr id="1" name=""/>
-        <p:cNvGrpSpPr/>
-        <p:nvPr/>
-      </p:nvGrpSpPr>
-      <p:grpSpPr>
-        <a:xfrm>
-          <a:off x="0" y="0"/>
-          <a:ext cx="0" cy="0"/>
-          <a:chOff x="0" y="0"/>
-          <a:chExt cx="0" cy="0"/>
-        </a:xfrm>
-      </p:grpSpPr>
-      <p:sp>
-        <p:nvSpPr>
-          <p:cNvPr id="2" name="Espace réservé du texte 1">
-            <a:extLst>
-              <a:ext uri="{FF2B5EF4-FFF2-40B4-BE49-F238E27FC236}">
-                <a16:creationId xmlns:a16="http://schemas.microsoft.com/office/drawing/2014/main" id="{82E12C05-25B3-1F38-1C2B-3E749028630C}"/>
-              </a:ext>
-            </a:extLst>
-          </p:cNvPr>
-          <p:cNvSpPr>
-            <a:spLocks noGrp="1"/>
-          </p:cNvSpPr>
-          <p:nvPr>
-            <p:ph type="body" sz="quarter" idx="10"/>
-          </p:nvPr>
-        </p:nvSpPr>
-        <p:spPr/>
-        <p:txBody>
-          <a:bodyPr/>
-          <a:lstStyle/>
-          <a:p>
-            <a:r>
-              <a:rPr lang="fr-FR" dirty="0"/>
-              <a:t>Contexte</a:t>
-            </a:r>
-          </a:p>
-        </p:txBody>
-      </p:sp>
-      <p:pic>
-        <p:nvPicPr>
-          <p:cNvPr id="4" name="Image 3">
-            <a:extLst>
-              <a:ext uri="{FF2B5EF4-FFF2-40B4-BE49-F238E27FC236}">
-                <a16:creationId xmlns:a16="http://schemas.microsoft.com/office/drawing/2014/main" id="{54D984EE-6CDB-62FE-1744-9AEA93BBCD29}"/>
-              </a:ext>
-            </a:extLst>
-          </p:cNvPr>
-          <p:cNvPicPr>
-            <a:picLocks noChangeAspect="1"/>
-          </p:cNvPicPr>
-          <p:nvPr/>
-        </p:nvPicPr>
-        <p:blipFill>
-          <a:blip r:embed="rId2"/>
-          <a:stretch>
-            <a:fillRect/>
-          </a:stretch>
-        </p:blipFill>
-        <p:spPr>
-          <a:xfrm>
-            <a:off x="2265442" y="3075202"/>
-            <a:ext cx="5850509" cy="4352495"/>
-          </a:xfrm>
-          <a:prstGeom prst="rect">
-            <a:avLst/>
-          </a:prstGeom>
-        </p:spPr>
-      </p:pic>
-      <p:sp>
-        <p:nvSpPr>
-          <p:cNvPr id="5" name="ZoneTexte 4">
-            <a:extLst>
-              <a:ext uri="{FF2B5EF4-FFF2-40B4-BE49-F238E27FC236}">
-                <a16:creationId xmlns:a16="http://schemas.microsoft.com/office/drawing/2014/main" id="{102493E3-D85E-DE32-A939-23B274AD44AE}"/>
-              </a:ext>
-            </a:extLst>
-          </p:cNvPr>
-          <p:cNvSpPr txBox="1"/>
-          <p:nvPr/>
-        </p:nvSpPr>
-        <p:spPr>
-          <a:xfrm>
-            <a:off x="2265442" y="7512424"/>
-            <a:ext cx="5850509" cy="276999"/>
-          </a:xfrm>
-          <a:prstGeom prst="rect">
-            <a:avLst/>
-          </a:prstGeom>
-          <a:noFill/>
-        </p:spPr>
-        <p:txBody>
-          <a:bodyPr wrap="square" rtlCol="0">
-            <a:spAutoFit/>
-          </a:bodyPr>
-          <a:lstStyle/>
-          <a:p>
-            <a:r>
-              <a:rPr lang="fr-FR" sz="1200" dirty="0">
-                <a:solidFill>
-                  <a:schemeClr val="bg1"/>
-                </a:solidFill>
-              </a:rPr>
-              <a:t>Very Large </a:t>
-            </a:r>
-            <a:r>
-              <a:rPr lang="fr-FR" sz="1200" dirty="0" err="1">
-                <a:solidFill>
-                  <a:schemeClr val="bg1"/>
-                </a:solidFill>
-              </a:rPr>
-              <a:t>Array</a:t>
-            </a:r>
-            <a:r>
-              <a:rPr lang="fr-FR" sz="1200" dirty="0">
-                <a:solidFill>
-                  <a:schemeClr val="bg1"/>
-                </a:solidFill>
-              </a:rPr>
-              <a:t> (VLA), Nouveau Mexique</a:t>
-            </a:r>
-          </a:p>
-        </p:txBody>
-      </p:sp>
-    </p:spTree>
-    <p:extLst>
-      <p:ext uri="{BB962C8B-B14F-4D97-AF65-F5344CB8AC3E}">
-        <p14:creationId xmlns:p14="http://schemas.microsoft.com/office/powerpoint/2010/main" val="3012086686"/>
-      </p:ext>
-    </p:extLst>
-  </p:cSld>
-  <p:clrMapOvr>
-    <a:masterClrMapping/>
-  </p:clrMapOvr>
-</p:sld>
-</file>
-
-<file path=ppt/slides/slide20.xml><?xml version="1.0" encoding="utf-8"?>
+<file path=ppt/slides/slide26.xml><?xml version="1.0" encoding="utf-8"?>
 <p:sld xmlns:a="http://schemas.openxmlformats.org/drawingml/2006/main" xmlns:r="http://schemas.openxmlformats.org/officeDocument/2006/relationships" xmlns:p="http://schemas.openxmlformats.org/presentationml/2006/main">
   <p:cSld>
     <p:spTree>
@@ -11716,6 +12847,94 @@
           </a:prstGeom>
         </p:spPr>
       </p:pic>
+      <p:sp>
+        <p:nvSpPr>
+          <p:cNvPr id="11" name="Accolade ouvrante 10">
+            <a:extLst>
+              <a:ext uri="{FF2B5EF4-FFF2-40B4-BE49-F238E27FC236}">
+                <a16:creationId xmlns:a16="http://schemas.microsoft.com/office/drawing/2014/main" id="{3D70BCE7-4A51-A3B3-CA12-4402EDB0C2A8}"/>
+              </a:ext>
+            </a:extLst>
+          </p:cNvPr>
+          <p:cNvSpPr/>
+          <p:nvPr/>
+        </p:nvSpPr>
+        <p:spPr>
+          <a:xfrm>
+            <a:off x="7969624" y="2008187"/>
+            <a:ext cx="420780" cy="2332008"/>
+          </a:xfrm>
+          <a:prstGeom prst="leftBrace">
+            <a:avLst/>
+          </a:prstGeom>
+        </p:spPr>
+        <p:style>
+          <a:lnRef idx="1">
+            <a:schemeClr val="accent1"/>
+          </a:lnRef>
+          <a:fillRef idx="0">
+            <a:schemeClr val="accent1"/>
+          </a:fillRef>
+          <a:effectRef idx="0">
+            <a:schemeClr val="accent1"/>
+          </a:effectRef>
+          <a:fontRef idx="minor">
+            <a:schemeClr val="tx1"/>
+          </a:fontRef>
+        </p:style>
+        <p:txBody>
+          <a:bodyPr rtlCol="0" anchor="ctr"/>
+          <a:lstStyle/>
+          <a:p>
+            <a:pPr algn="ctr"/>
+            <a:endParaRPr lang="fr-FR"/>
+          </a:p>
+        </p:txBody>
+      </p:sp>
+      <p:sp>
+        <p:nvSpPr>
+          <p:cNvPr id="12" name="Accolade ouvrante 11">
+            <a:extLst>
+              <a:ext uri="{FF2B5EF4-FFF2-40B4-BE49-F238E27FC236}">
+                <a16:creationId xmlns:a16="http://schemas.microsoft.com/office/drawing/2014/main" id="{5A6B8A78-53B2-76A8-B8EB-23FCCFB441B8}"/>
+              </a:ext>
+            </a:extLst>
+          </p:cNvPr>
+          <p:cNvSpPr/>
+          <p:nvPr/>
+        </p:nvSpPr>
+        <p:spPr>
+          <a:xfrm>
+            <a:off x="8068235" y="4912659"/>
+            <a:ext cx="322169" cy="1156447"/>
+          </a:xfrm>
+          <a:prstGeom prst="leftBrace">
+            <a:avLst/>
+          </a:prstGeom>
+        </p:spPr>
+        <p:style>
+          <a:lnRef idx="1">
+            <a:schemeClr val="accent1"/>
+          </a:lnRef>
+          <a:fillRef idx="0">
+            <a:schemeClr val="accent1"/>
+          </a:fillRef>
+          <a:effectRef idx="0">
+            <a:schemeClr val="accent1"/>
+          </a:effectRef>
+          <a:fontRef idx="minor">
+            <a:schemeClr val="tx1"/>
+          </a:fontRef>
+        </p:style>
+        <p:txBody>
+          <a:bodyPr rtlCol="0" anchor="ctr"/>
+          <a:lstStyle/>
+          <a:p>
+            <a:pPr algn="ctr"/>
+            <a:endParaRPr lang="fr-FR"/>
+          </a:p>
+        </p:txBody>
+      </p:sp>
     </p:spTree>
     <p:extLst>
       <p:ext uri="{BB962C8B-B14F-4D97-AF65-F5344CB8AC3E}">
@@ -12197,12 +13416,221 @@
           </a:p>
         </p:txBody>
       </p:sp>
+      <p:cxnSp>
+        <p:nvCxnSpPr>
+          <p:cNvPr id="25" name="Connecteur droit avec flèche 24">
+            <a:extLst>
+              <a:ext uri="{FF2B5EF4-FFF2-40B4-BE49-F238E27FC236}">
+                <a16:creationId xmlns:a16="http://schemas.microsoft.com/office/drawing/2014/main" id="{5AC9C99A-819C-F8C6-B420-C0EE1DBC752C}"/>
+              </a:ext>
+            </a:extLst>
+          </p:cNvPr>
+          <p:cNvCxnSpPr>
+            <a:cxnSpLocks/>
+            <a:stCxn id="4" idx="3"/>
+            <a:endCxn id="5" idx="1"/>
+          </p:cNvCxnSpPr>
+          <p:nvPr/>
+        </p:nvCxnSpPr>
+        <p:spPr>
+          <a:xfrm>
+            <a:off x="4007223" y="4513729"/>
+            <a:ext cx="1519518" cy="0"/>
+          </a:xfrm>
+          <a:prstGeom prst="straightConnector1">
+            <a:avLst/>
+          </a:prstGeom>
+          <a:ln>
+            <a:tailEnd type="triangle"/>
+          </a:ln>
+        </p:spPr>
+        <p:style>
+          <a:lnRef idx="1">
+            <a:schemeClr val="accent1"/>
+          </a:lnRef>
+          <a:fillRef idx="0">
+            <a:schemeClr val="accent1"/>
+          </a:fillRef>
+          <a:effectRef idx="0">
+            <a:schemeClr val="accent1"/>
+          </a:effectRef>
+          <a:fontRef idx="minor">
+            <a:schemeClr val="tx1"/>
+          </a:fontRef>
+        </p:style>
+      </p:cxnSp>
+      <p:cxnSp>
+        <p:nvCxnSpPr>
+          <p:cNvPr id="28" name="Connecteur : en angle 27">
+            <a:extLst>
+              <a:ext uri="{FF2B5EF4-FFF2-40B4-BE49-F238E27FC236}">
+                <a16:creationId xmlns:a16="http://schemas.microsoft.com/office/drawing/2014/main" id="{1A134999-2CF1-ECE2-E725-9F701AA92ACA}"/>
+              </a:ext>
+            </a:extLst>
+          </p:cNvPr>
+          <p:cNvCxnSpPr>
+            <a:cxnSpLocks/>
+            <a:stCxn id="5" idx="3"/>
+            <a:endCxn id="22" idx="1"/>
+          </p:cNvCxnSpPr>
+          <p:nvPr/>
+        </p:nvCxnSpPr>
+        <p:spPr>
+          <a:xfrm>
+            <a:off x="8547847" y="4513729"/>
+            <a:ext cx="1824318" cy="1023730"/>
+          </a:xfrm>
+          <a:prstGeom prst="bentConnector3">
+            <a:avLst/>
+          </a:prstGeom>
+          <a:ln>
+            <a:tailEnd type="triangle"/>
+          </a:ln>
+        </p:spPr>
+        <p:style>
+          <a:lnRef idx="1">
+            <a:schemeClr val="accent1"/>
+          </a:lnRef>
+          <a:fillRef idx="0">
+            <a:schemeClr val="accent1"/>
+          </a:fillRef>
+          <a:effectRef idx="0">
+            <a:schemeClr val="accent1"/>
+          </a:effectRef>
+          <a:fontRef idx="minor">
+            <a:schemeClr val="tx1"/>
+          </a:fontRef>
+        </p:style>
+      </p:cxnSp>
+      <p:cxnSp>
+        <p:nvCxnSpPr>
+          <p:cNvPr id="31" name="Connecteur : en angle 30">
+            <a:extLst>
+              <a:ext uri="{FF2B5EF4-FFF2-40B4-BE49-F238E27FC236}">
+                <a16:creationId xmlns:a16="http://schemas.microsoft.com/office/drawing/2014/main" id="{E9C39669-5EC7-77DB-0F85-AA58E8501038}"/>
+              </a:ext>
+            </a:extLst>
+          </p:cNvPr>
+          <p:cNvCxnSpPr>
+            <a:cxnSpLocks/>
+            <a:stCxn id="19" idx="3"/>
+          </p:cNvCxnSpPr>
+          <p:nvPr/>
+        </p:nvCxnSpPr>
+        <p:spPr>
+          <a:xfrm flipV="1">
+            <a:off x="8547847" y="5364401"/>
+            <a:ext cx="912159" cy="2354211"/>
+          </a:xfrm>
+          <a:prstGeom prst="bentConnector2">
+            <a:avLst/>
+          </a:prstGeom>
+        </p:spPr>
+        <p:style>
+          <a:lnRef idx="1">
+            <a:schemeClr val="accent1"/>
+          </a:lnRef>
+          <a:fillRef idx="0">
+            <a:schemeClr val="accent1"/>
+          </a:fillRef>
+          <a:effectRef idx="0">
+            <a:schemeClr val="accent1"/>
+          </a:effectRef>
+          <a:fontRef idx="minor">
+            <a:schemeClr val="tx1"/>
+          </a:fontRef>
+        </p:style>
+      </p:cxnSp>
+      <p:cxnSp>
+        <p:nvCxnSpPr>
+          <p:cNvPr id="39" name="Connecteur : en angle 38">
+            <a:extLst>
+              <a:ext uri="{FF2B5EF4-FFF2-40B4-BE49-F238E27FC236}">
+                <a16:creationId xmlns:a16="http://schemas.microsoft.com/office/drawing/2014/main" id="{987AAD3D-B1EA-CF09-9639-962DA4A28F15}"/>
+              </a:ext>
+            </a:extLst>
+          </p:cNvPr>
+          <p:cNvCxnSpPr>
+            <a:cxnSpLocks/>
+            <a:stCxn id="22" idx="3"/>
+          </p:cNvCxnSpPr>
+          <p:nvPr/>
+        </p:nvCxnSpPr>
+        <p:spPr>
+          <a:xfrm flipH="1" flipV="1">
+            <a:off x="9305365" y="2473865"/>
+            <a:ext cx="4564087" cy="3063594"/>
+          </a:xfrm>
+          <a:prstGeom prst="bentConnector3">
+            <a:avLst>
+              <a:gd name="adj1" fmla="val -5009"/>
+            </a:avLst>
+          </a:prstGeom>
+        </p:spPr>
+        <p:style>
+          <a:lnRef idx="1">
+            <a:schemeClr val="accent1"/>
+          </a:lnRef>
+          <a:fillRef idx="0">
+            <a:schemeClr val="accent1"/>
+          </a:fillRef>
+          <a:effectRef idx="0">
+            <a:schemeClr val="accent1"/>
+          </a:effectRef>
+          <a:fontRef idx="minor">
+            <a:schemeClr val="tx1"/>
+          </a:fontRef>
+        </p:style>
+      </p:cxnSp>
+      <p:cxnSp>
+        <p:nvCxnSpPr>
+          <p:cNvPr id="42" name="Connecteur : en angle 41">
+            <a:extLst>
+              <a:ext uri="{FF2B5EF4-FFF2-40B4-BE49-F238E27FC236}">
+                <a16:creationId xmlns:a16="http://schemas.microsoft.com/office/drawing/2014/main" id="{3AFAC1A3-7A28-543F-D2EF-EB2DF6F05F71}"/>
+              </a:ext>
+            </a:extLst>
+          </p:cNvPr>
+          <p:cNvCxnSpPr>
+            <a:cxnSpLocks/>
+          </p:cNvCxnSpPr>
+          <p:nvPr/>
+        </p:nvCxnSpPr>
+        <p:spPr>
+          <a:xfrm rot="10800000" flipV="1">
+            <a:off x="4614583" y="2473865"/>
+            <a:ext cx="4690783" cy="2039864"/>
+          </a:xfrm>
+          <a:prstGeom prst="bentConnector3">
+            <a:avLst>
+              <a:gd name="adj1" fmla="val 99689"/>
+            </a:avLst>
+          </a:prstGeom>
+          <a:ln>
+            <a:tailEnd type="triangle"/>
+          </a:ln>
+        </p:spPr>
+        <p:style>
+          <a:lnRef idx="1">
+            <a:schemeClr val="accent1"/>
+          </a:lnRef>
+          <a:fillRef idx="0">
+            <a:schemeClr val="accent1"/>
+          </a:fillRef>
+          <a:effectRef idx="0">
+            <a:schemeClr val="accent1"/>
+          </a:effectRef>
+          <a:fontRef idx="minor">
+            <a:schemeClr val="tx1"/>
+          </a:fontRef>
+        </p:style>
+      </p:cxnSp>
       <p:grpSp>
         <p:nvGrpSpPr>
-          <p:cNvPr id="23" name="Groupe 22">
-            <a:extLst>
-              <a:ext uri="{FF2B5EF4-FFF2-40B4-BE49-F238E27FC236}">
-                <a16:creationId xmlns:a16="http://schemas.microsoft.com/office/drawing/2014/main" id="{A6DA5C52-B658-CDBF-CEA6-BF9DA8A2DEBB}"/>
+          <p:cNvPr id="51" name="Groupe 50">
+            <a:extLst>
+              <a:ext uri="{FF2B5EF4-FFF2-40B4-BE49-F238E27FC236}">
+                <a16:creationId xmlns:a16="http://schemas.microsoft.com/office/drawing/2014/main" id="{167B5169-F7F2-BED9-8D94-8CF9840C1CDD}"/>
               </a:ext>
             </a:extLst>
           </p:cNvPr>
@@ -12211,10 +13639,10 @@
         </p:nvGrpSpPr>
         <p:grpSpPr>
           <a:xfrm>
-            <a:off x="10372165" y="4360354"/>
-            <a:ext cx="3497287" cy="2008094"/>
-            <a:chOff x="10058400" y="3872753"/>
-            <a:chExt cx="3497287" cy="2008094"/>
+            <a:off x="10372165" y="4360353"/>
+            <a:ext cx="3497287" cy="2354211"/>
+            <a:chOff x="10372165" y="4360353"/>
+            <a:chExt cx="3497287" cy="2354211"/>
           </a:xfrm>
         </p:grpSpPr>
         <p:pic>
@@ -12239,7 +13667,7 @@
           </p:blipFill>
           <p:spPr>
             <a:xfrm>
-              <a:off x="10236538" y="4764501"/>
+              <a:off x="10550303" y="5252102"/>
               <a:ext cx="3141009" cy="889489"/>
             </a:xfrm>
             <a:prstGeom prst="rect">
@@ -12261,8 +13689,8 @@
           </p:nvSpPr>
           <p:spPr>
             <a:xfrm>
-              <a:off x="10058400" y="3872753"/>
-              <a:ext cx="3497287" cy="2008094"/>
+              <a:off x="10372165" y="4360353"/>
+              <a:ext cx="3497287" cy="2354211"/>
             </a:xfrm>
             <a:prstGeom prst="rect">
               <a:avLst/>
@@ -12317,216 +13745,37 @@
             </a:p>
           </p:txBody>
         </p:sp>
+        <p:pic>
+          <p:nvPicPr>
+            <p:cNvPr id="50" name="Image 49">
+              <a:extLst>
+                <a:ext uri="{FF2B5EF4-FFF2-40B4-BE49-F238E27FC236}">
+                  <a16:creationId xmlns:a16="http://schemas.microsoft.com/office/drawing/2014/main" id="{7503FB03-C925-6FD9-603D-9A8E7F40E7FC}"/>
+                </a:ext>
+              </a:extLst>
+            </p:cNvPr>
+            <p:cNvPicPr>
+              <a:picLocks noChangeAspect="1"/>
+            </p:cNvPicPr>
+            <p:nvPr/>
+          </p:nvPicPr>
+          <p:blipFill>
+            <a:blip r:embed="rId7"/>
+            <a:stretch>
+              <a:fillRect/>
+            </a:stretch>
+          </p:blipFill>
+          <p:spPr>
+            <a:xfrm>
+              <a:off x="10526805" y="6063648"/>
+              <a:ext cx="3163385" cy="589100"/>
+            </a:xfrm>
+            <a:prstGeom prst="rect">
+              <a:avLst/>
+            </a:prstGeom>
+          </p:spPr>
+        </p:pic>
       </p:grpSp>
-      <p:cxnSp>
-        <p:nvCxnSpPr>
-          <p:cNvPr id="25" name="Connecteur droit avec flèche 24">
-            <a:extLst>
-              <a:ext uri="{FF2B5EF4-FFF2-40B4-BE49-F238E27FC236}">
-                <a16:creationId xmlns:a16="http://schemas.microsoft.com/office/drawing/2014/main" id="{5AC9C99A-819C-F8C6-B420-C0EE1DBC752C}"/>
-              </a:ext>
-            </a:extLst>
-          </p:cNvPr>
-          <p:cNvCxnSpPr>
-            <a:cxnSpLocks/>
-            <a:stCxn id="4" idx="3"/>
-            <a:endCxn id="5" idx="1"/>
-          </p:cNvCxnSpPr>
-          <p:nvPr/>
-        </p:nvCxnSpPr>
-        <p:spPr>
-          <a:xfrm>
-            <a:off x="4007223" y="4513729"/>
-            <a:ext cx="1519518" cy="0"/>
-          </a:xfrm>
-          <a:prstGeom prst="straightConnector1">
-            <a:avLst/>
-          </a:prstGeom>
-          <a:ln>
-            <a:tailEnd type="triangle"/>
-          </a:ln>
-        </p:spPr>
-        <p:style>
-          <a:lnRef idx="1">
-            <a:schemeClr val="accent1"/>
-          </a:lnRef>
-          <a:fillRef idx="0">
-            <a:schemeClr val="accent1"/>
-          </a:fillRef>
-          <a:effectRef idx="0">
-            <a:schemeClr val="accent1"/>
-          </a:effectRef>
-          <a:fontRef idx="minor">
-            <a:schemeClr val="tx1"/>
-          </a:fontRef>
-        </p:style>
-      </p:cxnSp>
-      <p:cxnSp>
-        <p:nvCxnSpPr>
-          <p:cNvPr id="28" name="Connecteur : en angle 27">
-            <a:extLst>
-              <a:ext uri="{FF2B5EF4-FFF2-40B4-BE49-F238E27FC236}">
-                <a16:creationId xmlns:a16="http://schemas.microsoft.com/office/drawing/2014/main" id="{1A134999-2CF1-ECE2-E725-9F701AA92ACA}"/>
-              </a:ext>
-            </a:extLst>
-          </p:cNvPr>
-          <p:cNvCxnSpPr>
-            <a:cxnSpLocks/>
-            <a:stCxn id="5" idx="3"/>
-            <a:endCxn id="22" idx="1"/>
-          </p:cNvCxnSpPr>
-          <p:nvPr/>
-        </p:nvCxnSpPr>
-        <p:spPr>
-          <a:xfrm>
-            <a:off x="8547847" y="4513729"/>
-            <a:ext cx="1824318" cy="850672"/>
-          </a:xfrm>
-          <a:prstGeom prst="bentConnector3">
-            <a:avLst/>
-          </a:prstGeom>
-          <a:ln>
-            <a:tailEnd type="triangle"/>
-          </a:ln>
-        </p:spPr>
-        <p:style>
-          <a:lnRef idx="1">
-            <a:schemeClr val="accent1"/>
-          </a:lnRef>
-          <a:fillRef idx="0">
-            <a:schemeClr val="accent1"/>
-          </a:fillRef>
-          <a:effectRef idx="0">
-            <a:schemeClr val="accent1"/>
-          </a:effectRef>
-          <a:fontRef idx="minor">
-            <a:schemeClr val="tx1"/>
-          </a:fontRef>
-        </p:style>
-      </p:cxnSp>
-      <p:cxnSp>
-        <p:nvCxnSpPr>
-          <p:cNvPr id="31" name="Connecteur : en angle 30">
-            <a:extLst>
-              <a:ext uri="{FF2B5EF4-FFF2-40B4-BE49-F238E27FC236}">
-                <a16:creationId xmlns:a16="http://schemas.microsoft.com/office/drawing/2014/main" id="{E9C39669-5EC7-77DB-0F85-AA58E8501038}"/>
-              </a:ext>
-            </a:extLst>
-          </p:cNvPr>
-          <p:cNvCxnSpPr>
-            <a:cxnSpLocks/>
-            <a:stCxn id="19" idx="3"/>
-          </p:cNvCxnSpPr>
-          <p:nvPr/>
-        </p:nvCxnSpPr>
-        <p:spPr>
-          <a:xfrm flipV="1">
-            <a:off x="8547847" y="5364401"/>
-            <a:ext cx="912159" cy="2354211"/>
-          </a:xfrm>
-          <a:prstGeom prst="bentConnector2">
-            <a:avLst/>
-          </a:prstGeom>
-        </p:spPr>
-        <p:style>
-          <a:lnRef idx="1">
-            <a:schemeClr val="accent1"/>
-          </a:lnRef>
-          <a:fillRef idx="0">
-            <a:schemeClr val="accent1"/>
-          </a:fillRef>
-          <a:effectRef idx="0">
-            <a:schemeClr val="accent1"/>
-          </a:effectRef>
-          <a:fontRef idx="minor">
-            <a:schemeClr val="tx1"/>
-          </a:fontRef>
-        </p:style>
-      </p:cxnSp>
-      <p:cxnSp>
-        <p:nvCxnSpPr>
-          <p:cNvPr id="39" name="Connecteur : en angle 38">
-            <a:extLst>
-              <a:ext uri="{FF2B5EF4-FFF2-40B4-BE49-F238E27FC236}">
-                <a16:creationId xmlns:a16="http://schemas.microsoft.com/office/drawing/2014/main" id="{987AAD3D-B1EA-CF09-9639-962DA4A28F15}"/>
-              </a:ext>
-            </a:extLst>
-          </p:cNvPr>
-          <p:cNvCxnSpPr>
-            <a:cxnSpLocks/>
-            <a:stCxn id="22" idx="3"/>
-          </p:cNvCxnSpPr>
-          <p:nvPr/>
-        </p:nvCxnSpPr>
-        <p:spPr>
-          <a:xfrm flipH="1" flipV="1">
-            <a:off x="9305365" y="2473865"/>
-            <a:ext cx="4564087" cy="2890536"/>
-          </a:xfrm>
-          <a:prstGeom prst="bentConnector3">
-            <a:avLst>
-              <a:gd name="adj1" fmla="val -5009"/>
-            </a:avLst>
-          </a:prstGeom>
-        </p:spPr>
-        <p:style>
-          <a:lnRef idx="1">
-            <a:schemeClr val="accent1"/>
-          </a:lnRef>
-          <a:fillRef idx="0">
-            <a:schemeClr val="accent1"/>
-          </a:fillRef>
-          <a:effectRef idx="0">
-            <a:schemeClr val="accent1"/>
-          </a:effectRef>
-          <a:fontRef idx="minor">
-            <a:schemeClr val="tx1"/>
-          </a:fontRef>
-        </p:style>
-      </p:cxnSp>
-      <p:cxnSp>
-        <p:nvCxnSpPr>
-          <p:cNvPr id="42" name="Connecteur : en angle 41">
-            <a:extLst>
-              <a:ext uri="{FF2B5EF4-FFF2-40B4-BE49-F238E27FC236}">
-                <a16:creationId xmlns:a16="http://schemas.microsoft.com/office/drawing/2014/main" id="{3AFAC1A3-7A28-543F-D2EF-EB2DF6F05F71}"/>
-              </a:ext>
-            </a:extLst>
-          </p:cNvPr>
-          <p:cNvCxnSpPr>
-            <a:cxnSpLocks/>
-          </p:cNvCxnSpPr>
-          <p:nvPr/>
-        </p:nvCxnSpPr>
-        <p:spPr>
-          <a:xfrm rot="10800000" flipV="1">
-            <a:off x="4614583" y="2473865"/>
-            <a:ext cx="4690783" cy="2039864"/>
-          </a:xfrm>
-          <a:prstGeom prst="bentConnector3">
-            <a:avLst>
-              <a:gd name="adj1" fmla="val 99689"/>
-            </a:avLst>
-          </a:prstGeom>
-          <a:ln>
-            <a:tailEnd type="triangle"/>
-          </a:ln>
-        </p:spPr>
-        <p:style>
-          <a:lnRef idx="1">
-            <a:schemeClr val="accent1"/>
-          </a:lnRef>
-          <a:fillRef idx="0">
-            <a:schemeClr val="accent1"/>
-          </a:fillRef>
-          <a:effectRef idx="0">
-            <a:schemeClr val="accent1"/>
-          </a:effectRef>
-          <a:fontRef idx="minor">
-            <a:schemeClr val="tx1"/>
-          </a:fontRef>
-        </p:style>
-      </p:cxnSp>
     </p:spTree>
     <p:extLst>
       <p:ext uri="{BB962C8B-B14F-4D97-AF65-F5344CB8AC3E}">
@@ -12835,7 +14084,7 @@
                                           </p:stCondLst>
                                         </p:cTn>
                                         <p:tgtEl>
-                                          <p:spTgt spid="23"/>
+                                          <p:spTgt spid="51"/>
                                         </p:tgtEl>
                                         <p:attrNameLst>
                                           <p:attrName>style.visibility</p:attrName>
@@ -12849,7 +14098,7 @@
                                       <p:cBhvr>
                                         <p:cTn id="31" dur="500"/>
                                         <p:tgtEl>
-                                          <p:spTgt spid="23"/>
+                                          <p:spTgt spid="51"/>
                                         </p:tgtEl>
                                       </p:cBhvr>
                                     </p:animEffect>
@@ -13415,7 +14664,7 @@
           <p:cNvPr id="2" name="Espace réservé du texte 1">
             <a:extLst>
               <a:ext uri="{FF2B5EF4-FFF2-40B4-BE49-F238E27FC236}">
-                <a16:creationId xmlns:a16="http://schemas.microsoft.com/office/drawing/2014/main" id="{07C53293-DC23-153D-EB06-76E550C9E326}"/>
+                <a16:creationId xmlns:a16="http://schemas.microsoft.com/office/drawing/2014/main" id="{4EDAFCCE-7901-5DAA-026A-B607A37D52D0}"/>
               </a:ext>
             </a:extLst>
           </p:cNvPr>
@@ -13423,30 +14672,659 @@
             <a:spLocks noGrp="1"/>
           </p:cNvSpPr>
           <p:nvPr>
-            <p:ph type="body" sz="quarter" idx="10"/>
+            <p:ph type="body" sz="quarter" idx="13"/>
           </p:nvPr>
         </p:nvSpPr>
-        <p:spPr>
-          <a:xfrm>
-            <a:off x="1001876" y="1094400"/>
-            <a:ext cx="6427624" cy="2451100"/>
-          </a:xfrm>
-        </p:spPr>
+        <p:spPr/>
         <p:txBody>
           <a:bodyPr/>
           <a:lstStyle/>
           <a:p>
             <a:r>
               <a:rPr lang="fr-FR" dirty="0"/>
-              <a:t>Performances de reconstruction en présence de perturbations</a:t>
+              <a:t>Simulation – Image initiale</a:t>
             </a:r>
           </a:p>
         </p:txBody>
       </p:sp>
+      <mc:AlternateContent xmlns:mc="http://schemas.openxmlformats.org/markup-compatibility/2006">
+        <mc:Choice xmlns:a14="http://schemas.microsoft.com/office/drawing/2010/main" Requires="a14">
+          <p:sp>
+            <p:nvSpPr>
+              <p:cNvPr id="3" name="Espace réservé du texte 2">
+                <a:extLst>
+                  <a:ext uri="{FF2B5EF4-FFF2-40B4-BE49-F238E27FC236}">
+                    <a16:creationId xmlns:a16="http://schemas.microsoft.com/office/drawing/2014/main" id="{C1A17715-D5FD-F5FF-5C5F-0CECEF2471D2}"/>
+                  </a:ext>
+                </a:extLst>
+              </p:cNvPr>
+              <p:cNvSpPr>
+                <a:spLocks noGrp="1"/>
+              </p:cNvSpPr>
+              <p:nvPr>
+                <p:ph type="body" sz="quarter" idx="14"/>
+              </p:nvPr>
+            </p:nvSpPr>
+            <p:spPr/>
+            <p:txBody>
+              <a:bodyPr numCol="1"/>
+              <a:lstStyle/>
+              <a:p>
+                <a:r>
+                  <a:rPr lang="fr-FR" sz="2800" dirty="0"/>
+                  <a:t>La matrice de covariance de l’image initiale est calculée par :</a:t>
+                </a:r>
+              </a:p>
+              <a:p>
+                <a:endParaRPr lang="fr-FR" sz="2800" dirty="0"/>
+              </a:p>
+              <a:p>
+                <a14:m>
+                  <m:oMathPara xmlns:m="http://schemas.openxmlformats.org/officeDocument/2006/math">
+                    <m:oMathParaPr>
+                      <m:jc m:val="centerGroup"/>
+                    </m:oMathParaPr>
+                    <m:oMath xmlns:m="http://schemas.openxmlformats.org/officeDocument/2006/math">
+                      <m:r>
+                        <a:rPr lang="fr-FR" sz="2800" i="1" smtClean="0">
+                          <a:latin typeface="Cambria Math" panose="02040503050406030204" pitchFamily="18" charset="0"/>
+                        </a:rPr>
+                        <m:t>𝑦</m:t>
+                      </m:r>
+                      <m:r>
+                        <a:rPr lang="fr-FR" sz="2800" i="0">
+                          <a:latin typeface="Cambria Math" panose="02040503050406030204" pitchFamily="18" charset="0"/>
+                        </a:rPr>
+                        <m:t>=</m:t>
+                      </m:r>
+                      <m:r>
+                        <a:rPr lang="fr-FR" sz="2800" i="1">
+                          <a:latin typeface="Cambria Math" panose="02040503050406030204" pitchFamily="18" charset="0"/>
+                        </a:rPr>
+                        <m:t>𝐻</m:t>
+                      </m:r>
+                      <m:sSub>
+                        <m:sSubPr>
+                          <m:ctrlPr>
+                            <a:rPr lang="fr-FR" sz="2800" i="1">
+                              <a:solidFill>
+                                <a:srgbClr val="836967"/>
+                              </a:solidFill>
+                              <a:latin typeface="Cambria Math" panose="02040503050406030204" pitchFamily="18" charset="0"/>
+                            </a:rPr>
+                          </m:ctrlPr>
+                        </m:sSubPr>
+                        <m:e>
+                          <m:r>
+                            <a:rPr lang="fr-FR" sz="2800" i="1">
+                              <a:latin typeface="Cambria Math" panose="02040503050406030204" pitchFamily="18" charset="0"/>
+                            </a:rPr>
+                            <m:t>𝑥</m:t>
+                          </m:r>
+                        </m:e>
+                        <m:sub>
+                          <m:r>
+                            <a:rPr lang="fr-FR" sz="2800" i="0">
+                              <a:latin typeface="Cambria Math" panose="02040503050406030204" pitchFamily="18" charset="0"/>
+                            </a:rPr>
+                            <m:t>0</m:t>
+                          </m:r>
+                        </m:sub>
+                      </m:sSub>
+                      <m:r>
+                        <a:rPr lang="en-US" sz="2800" b="0" i="1" smtClean="0">
+                          <a:latin typeface="Cambria Math" panose="02040503050406030204" pitchFamily="18" charset="0"/>
+                        </a:rPr>
+                        <m:t>+</m:t>
+                      </m:r>
+                      <m:r>
+                        <a:rPr lang="en-US" sz="2800" b="0" i="1" smtClean="0">
+                          <a:latin typeface="Cambria Math" panose="02040503050406030204" pitchFamily="18" charset="0"/>
+                        </a:rPr>
+                        <m:t>𝑣</m:t>
+                      </m:r>
+                    </m:oMath>
+                  </m:oMathPara>
+                </a14:m>
+                <a:endParaRPr lang="fr-FR" sz="2800" dirty="0"/>
+              </a:p>
+              <a:p>
+                <a:endParaRPr lang="fr-FR" sz="2800" dirty="0"/>
+              </a:p>
+              <a:p>
+                <a:r>
+                  <a:rPr lang="fr-FR" sz="2800" dirty="0"/>
+                  <a:t>L’image « </a:t>
+                </a:r>
+                <a:r>
+                  <a:rPr lang="fr-FR" sz="2800" dirty="0" err="1"/>
+                  <a:t>dirty</a:t>
+                </a:r>
+                <a:r>
+                  <a:rPr lang="fr-FR" sz="2800" dirty="0"/>
+                  <a:t> » est calculée par maximum de vraisemblance (MVDR) :</a:t>
+                </a:r>
+              </a:p>
+              <a:p>
+                <a:endParaRPr lang="fr-FR" sz="2800" dirty="0"/>
+              </a:p>
+              <a:p>
+                <a14:m>
+                  <m:oMathPara xmlns:m="http://schemas.openxmlformats.org/officeDocument/2006/math">
+                    <m:oMathParaPr>
+                      <m:jc m:val="centerGroup"/>
+                    </m:oMathParaPr>
+                    <m:oMath xmlns:m="http://schemas.openxmlformats.org/officeDocument/2006/math">
+                      <m:sSub>
+                        <m:sSubPr>
+                          <m:ctrlPr>
+                            <a:rPr lang="fr-FR" sz="2800" dirty="0" smtClean="0">
+                              <a:solidFill>
+                                <a:schemeClr val="accent1"/>
+                              </a:solidFill>
+                              <a:latin typeface="Cambria Math" panose="02040503050406030204" pitchFamily="18" charset="0"/>
+                            </a:rPr>
+                          </m:ctrlPr>
+                        </m:sSubPr>
+                        <m:e>
+                          <m:r>
+                            <a:rPr lang="fr-FR" sz="2800" i="1" dirty="0">
+                              <a:solidFill>
+                                <a:schemeClr val="accent1"/>
+                              </a:solidFill>
+                              <a:latin typeface="Cambria Math" panose="02040503050406030204" pitchFamily="18" charset="0"/>
+                            </a:rPr>
+                            <m:t>𝑥</m:t>
+                          </m:r>
+                        </m:e>
+                        <m:sub>
+                          <m:r>
+                            <a:rPr lang="fr-FR" sz="2800" i="1" dirty="0">
+                              <a:solidFill>
+                                <a:schemeClr val="accent1"/>
+                              </a:solidFill>
+                              <a:latin typeface="Cambria Math" panose="02040503050406030204" pitchFamily="18" charset="0"/>
+                            </a:rPr>
+                            <m:t>𝐷</m:t>
+                          </m:r>
+                        </m:sub>
+                      </m:sSub>
+                      <m:d>
+                        <m:dPr>
+                          <m:ctrlPr>
+                            <a:rPr lang="fr-FR" sz="2800" i="1" dirty="0">
+                              <a:solidFill>
+                                <a:schemeClr val="accent1"/>
+                              </a:solidFill>
+                              <a:latin typeface="Cambria Math" panose="02040503050406030204" pitchFamily="18" charset="0"/>
+                            </a:rPr>
+                          </m:ctrlPr>
+                        </m:dPr>
+                        <m:e>
+                          <m:sSub>
+                            <m:sSubPr>
+                              <m:ctrlPr>
+                                <a:rPr lang="fr-FR" sz="2800" i="1" dirty="0">
+                                  <a:solidFill>
+                                    <a:schemeClr val="accent1"/>
+                                  </a:solidFill>
+                                  <a:latin typeface="Cambria Math" panose="02040503050406030204" pitchFamily="18" charset="0"/>
+                                </a:rPr>
+                              </m:ctrlPr>
+                            </m:sSubPr>
+                            <m:e>
+                              <m:r>
+                                <a:rPr lang="fr-FR" sz="2800" i="1" dirty="0">
+                                  <a:solidFill>
+                                    <a:schemeClr val="accent1"/>
+                                  </a:solidFill>
+                                  <a:latin typeface="Cambria Math" panose="02040503050406030204" pitchFamily="18" charset="0"/>
+                                </a:rPr>
+                                <m:t>𝐼</m:t>
+                              </m:r>
+                            </m:e>
+                            <m:sub>
+                              <m:r>
+                                <m:rPr>
+                                  <m:sty m:val="p"/>
+                                </m:rPr>
+                                <a:rPr lang="en-US" sz="2800" b="0" i="0" dirty="0" smtClean="0">
+                                  <a:solidFill>
+                                    <a:schemeClr val="accent1"/>
+                                  </a:solidFill>
+                                  <a:latin typeface="Cambria Math" panose="02040503050406030204" pitchFamily="18" charset="0"/>
+                                </a:rPr>
+                                <m:t>q</m:t>
+                              </m:r>
+                            </m:sub>
+                          </m:sSub>
+                        </m:e>
+                      </m:d>
+                      <m:r>
+                        <a:rPr lang="fr-FR" sz="2800" i="0" dirty="0">
+                          <a:solidFill>
+                            <a:schemeClr val="accent1"/>
+                          </a:solidFill>
+                          <a:latin typeface="Cambria Math" panose="02040503050406030204" pitchFamily="18" charset="0"/>
+                        </a:rPr>
+                        <m:t>=</m:t>
+                      </m:r>
+                      <m:sSubSup>
+                        <m:sSubSupPr>
+                          <m:ctrlPr>
+                            <a:rPr lang="fr-FR" sz="2800" i="1" dirty="0">
+                              <a:solidFill>
+                                <a:schemeClr val="accent1"/>
+                              </a:solidFill>
+                              <a:latin typeface="Cambria Math" panose="02040503050406030204" pitchFamily="18" charset="0"/>
+                            </a:rPr>
+                          </m:ctrlPr>
+                        </m:sSubSupPr>
+                        <m:e>
+                          <m:r>
+                            <a:rPr lang="fr-FR" sz="2800" i="1" dirty="0">
+                              <a:solidFill>
+                                <a:schemeClr val="accent1"/>
+                              </a:solidFill>
+                              <a:latin typeface="Cambria Math" panose="02040503050406030204" pitchFamily="18" charset="0"/>
+                            </a:rPr>
+                            <m:t>𝑤</m:t>
+                          </m:r>
+                        </m:e>
+                        <m:sub>
+                          <m:r>
+                            <m:rPr>
+                              <m:sty m:val="p"/>
+                            </m:rPr>
+                            <a:rPr lang="en-US" sz="2800" b="0" i="0" dirty="0" smtClean="0">
+                              <a:solidFill>
+                                <a:schemeClr val="accent1"/>
+                              </a:solidFill>
+                              <a:latin typeface="Cambria Math" panose="02040503050406030204" pitchFamily="18" charset="0"/>
+                            </a:rPr>
+                            <m:t>q</m:t>
+                          </m:r>
+                        </m:sub>
+                        <m:sup>
+                          <m:r>
+                            <a:rPr lang="fr-FR" sz="2800" i="1" dirty="0">
+                              <a:solidFill>
+                                <a:schemeClr val="accent1"/>
+                              </a:solidFill>
+                              <a:latin typeface="Cambria Math" panose="02040503050406030204" pitchFamily="18" charset="0"/>
+                            </a:rPr>
+                            <m:t>𝐻</m:t>
+                          </m:r>
+                        </m:sup>
+                      </m:sSubSup>
+                      <m:r>
+                        <a:rPr lang="fr-FR" sz="2800" i="1" dirty="0">
+                          <a:solidFill>
+                            <a:schemeClr val="accent1"/>
+                          </a:solidFill>
+                          <a:latin typeface="Cambria Math" panose="02040503050406030204" pitchFamily="18" charset="0"/>
+                        </a:rPr>
+                        <m:t>𝑦</m:t>
+                      </m:r>
+                      <m:sSub>
+                        <m:sSubPr>
+                          <m:ctrlPr>
+                            <a:rPr lang="fr-FR" sz="2800" i="1" dirty="0">
+                              <a:solidFill>
+                                <a:schemeClr val="accent1"/>
+                              </a:solidFill>
+                              <a:latin typeface="Cambria Math" panose="02040503050406030204" pitchFamily="18" charset="0"/>
+                            </a:rPr>
+                          </m:ctrlPr>
+                        </m:sSubPr>
+                        <m:e>
+                          <m:r>
+                            <a:rPr lang="fr-FR" sz="2800" i="1" dirty="0">
+                              <a:solidFill>
+                                <a:schemeClr val="accent1"/>
+                              </a:solidFill>
+                              <a:latin typeface="Cambria Math" panose="02040503050406030204" pitchFamily="18" charset="0"/>
+                            </a:rPr>
+                            <m:t>𝑤</m:t>
+                          </m:r>
+                        </m:e>
+                        <m:sub>
+                          <m:r>
+                            <m:rPr>
+                              <m:sty m:val="p"/>
+                            </m:rPr>
+                            <a:rPr lang="en-US" sz="2800" b="0" i="0" dirty="0" smtClean="0">
+                              <a:solidFill>
+                                <a:schemeClr val="accent1"/>
+                              </a:solidFill>
+                              <a:latin typeface="Cambria Math" panose="02040503050406030204" pitchFamily="18" charset="0"/>
+                            </a:rPr>
+                            <m:t>q</m:t>
+                          </m:r>
+                        </m:sub>
+                      </m:sSub>
+                    </m:oMath>
+                  </m:oMathPara>
+                </a14:m>
+                <a:endParaRPr lang="fr-FR" sz="2800" dirty="0"/>
+              </a:p>
+              <a:p>
+                <a:r>
+                  <a:rPr lang="fr-FR" sz="2800" dirty="0"/>
+                  <a:t>Avec :</a:t>
+                </a:r>
+              </a:p>
+              <a:p>
+                <a:endParaRPr lang="fr-FR" sz="2800" dirty="0"/>
+              </a:p>
+              <a:p>
+                <a14:m>
+                  <m:oMathPara xmlns:m="http://schemas.openxmlformats.org/officeDocument/2006/math">
+                    <m:oMathParaPr>
+                      <m:jc m:val="centerGroup"/>
+                    </m:oMathParaPr>
+                    <m:oMath xmlns:m="http://schemas.openxmlformats.org/officeDocument/2006/math">
+                      <m:sSub>
+                        <m:sSubPr>
+                          <m:ctrlPr>
+                            <a:rPr lang="fr-FR" sz="2800" dirty="0" smtClean="0">
+                              <a:solidFill>
+                                <a:schemeClr val="accent1"/>
+                              </a:solidFill>
+                              <a:latin typeface="Cambria Math" panose="02040503050406030204" pitchFamily="18" charset="0"/>
+                            </a:rPr>
+                          </m:ctrlPr>
+                        </m:sSubPr>
+                        <m:e>
+                          <m:r>
+                            <a:rPr lang="fr-FR" sz="2800" i="1" dirty="0">
+                              <a:solidFill>
+                                <a:schemeClr val="accent1"/>
+                              </a:solidFill>
+                              <a:latin typeface="Cambria Math" panose="02040503050406030204" pitchFamily="18" charset="0"/>
+                            </a:rPr>
+                            <m:t>𝑤</m:t>
+                          </m:r>
+                        </m:e>
+                        <m:sub>
+                          <m:r>
+                            <a:rPr lang="fr-FR" sz="2800" i="1" dirty="0">
+                              <a:solidFill>
+                                <a:schemeClr val="accent1"/>
+                              </a:solidFill>
+                              <a:latin typeface="Cambria Math" panose="02040503050406030204" pitchFamily="18" charset="0"/>
+                            </a:rPr>
+                            <m:t>𝑞</m:t>
+                          </m:r>
+                        </m:sub>
+                      </m:sSub>
+                      <m:r>
+                        <a:rPr lang="fr-FR" sz="2800" i="0" dirty="0">
+                          <a:solidFill>
+                            <a:schemeClr val="accent1"/>
+                          </a:solidFill>
+                          <a:latin typeface="Cambria Math" panose="02040503050406030204" pitchFamily="18" charset="0"/>
+                        </a:rPr>
+                        <m:t>=</m:t>
+                      </m:r>
+                      <m:f>
+                        <m:fPr>
+                          <m:ctrlPr>
+                            <a:rPr lang="fr-FR" sz="2800" i="1" dirty="0">
+                              <a:solidFill>
+                                <a:schemeClr val="accent1"/>
+                              </a:solidFill>
+                              <a:latin typeface="Cambria Math" panose="02040503050406030204" pitchFamily="18" charset="0"/>
+                            </a:rPr>
+                          </m:ctrlPr>
+                        </m:fPr>
+                        <m:num>
+                          <m:sSup>
+                            <m:sSupPr>
+                              <m:ctrlPr>
+                                <a:rPr lang="fr-FR" sz="2800" i="1" dirty="0">
+                                  <a:solidFill>
+                                    <a:schemeClr val="accent1"/>
+                                  </a:solidFill>
+                                  <a:latin typeface="Cambria Math" panose="02040503050406030204" pitchFamily="18" charset="0"/>
+                                </a:rPr>
+                              </m:ctrlPr>
+                            </m:sSupPr>
+                            <m:e>
+                              <m:r>
+                                <a:rPr lang="en-US" sz="2800" b="0" i="1" dirty="0" smtClean="0">
+                                  <a:solidFill>
+                                    <a:schemeClr val="accent1"/>
+                                  </a:solidFill>
+                                  <a:latin typeface="Cambria Math" panose="02040503050406030204" pitchFamily="18" charset="0"/>
+                                </a:rPr>
+                                <m:t>𝑦</m:t>
+                              </m:r>
+                            </m:e>
+                            <m:sup>
+                              <m:r>
+                                <a:rPr lang="fr-FR" sz="2800" i="0" dirty="0">
+                                  <a:solidFill>
+                                    <a:schemeClr val="accent1"/>
+                                  </a:solidFill>
+                                  <a:latin typeface="Cambria Math" panose="02040503050406030204" pitchFamily="18" charset="0"/>
+                                </a:rPr>
+                                <m:t>−1</m:t>
+                              </m:r>
+                            </m:sup>
+                          </m:sSup>
+                          <m:sSub>
+                            <m:sSubPr>
+                              <m:ctrlPr>
+                                <a:rPr lang="fr-FR" sz="2800" i="1" dirty="0">
+                                  <a:solidFill>
+                                    <a:schemeClr val="accent1"/>
+                                  </a:solidFill>
+                                  <a:latin typeface="Cambria Math" panose="02040503050406030204" pitchFamily="18" charset="0"/>
+                                </a:rPr>
+                              </m:ctrlPr>
+                            </m:sSubPr>
+                            <m:e>
+                              <m:r>
+                                <a:rPr lang="fr-FR" sz="2800" i="1" dirty="0">
+                                  <a:solidFill>
+                                    <a:schemeClr val="accent1"/>
+                                  </a:solidFill>
+                                  <a:latin typeface="Cambria Math" panose="02040503050406030204" pitchFamily="18" charset="0"/>
+                                </a:rPr>
+                                <m:t>𝑎</m:t>
+                              </m:r>
+                            </m:e>
+                            <m:sub>
+                              <m:r>
+                                <m:rPr>
+                                  <m:sty m:val="p"/>
+                                </m:rPr>
+                                <a:rPr lang="en-US" sz="2800" b="0" i="0" dirty="0" smtClean="0">
+                                  <a:solidFill>
+                                    <a:schemeClr val="accent1"/>
+                                  </a:solidFill>
+                                  <a:latin typeface="Cambria Math" panose="02040503050406030204" pitchFamily="18" charset="0"/>
+                                </a:rPr>
+                                <m:t>q</m:t>
+                              </m:r>
+                            </m:sub>
+                          </m:sSub>
+                        </m:num>
+                        <m:den>
+                          <m:sSubSup>
+                            <m:sSubSupPr>
+                              <m:ctrlPr>
+                                <a:rPr lang="fr-FR" sz="2800" i="1" dirty="0">
+                                  <a:solidFill>
+                                    <a:schemeClr val="accent1"/>
+                                  </a:solidFill>
+                                  <a:latin typeface="Cambria Math" panose="02040503050406030204" pitchFamily="18" charset="0"/>
+                                </a:rPr>
+                              </m:ctrlPr>
+                            </m:sSubSupPr>
+                            <m:e>
+                              <m:r>
+                                <a:rPr lang="fr-FR" sz="2800" i="1" dirty="0">
+                                  <a:solidFill>
+                                    <a:schemeClr val="accent1"/>
+                                  </a:solidFill>
+                                  <a:latin typeface="Cambria Math" panose="02040503050406030204" pitchFamily="18" charset="0"/>
+                                </a:rPr>
+                                <m:t>𝑎</m:t>
+                              </m:r>
+                            </m:e>
+                            <m:sub>
+                              <m:r>
+                                <m:rPr>
+                                  <m:sty m:val="p"/>
+                                </m:rPr>
+                                <a:rPr lang="en-US" sz="2800" b="0" i="0" dirty="0" smtClean="0">
+                                  <a:solidFill>
+                                    <a:schemeClr val="accent1"/>
+                                  </a:solidFill>
+                                  <a:latin typeface="Cambria Math" panose="02040503050406030204" pitchFamily="18" charset="0"/>
+                                </a:rPr>
+                                <m:t>q</m:t>
+                              </m:r>
+                            </m:sub>
+                            <m:sup>
+                              <m:r>
+                                <a:rPr lang="fr-FR" sz="2800" i="1" dirty="0">
+                                  <a:solidFill>
+                                    <a:schemeClr val="accent1"/>
+                                  </a:solidFill>
+                                  <a:latin typeface="Cambria Math" panose="02040503050406030204" pitchFamily="18" charset="0"/>
+                                </a:rPr>
+                                <m:t>𝐻</m:t>
+                              </m:r>
+                            </m:sup>
+                          </m:sSubSup>
+                          <m:sSup>
+                            <m:sSupPr>
+                              <m:ctrlPr>
+                                <a:rPr lang="fr-FR" sz="2800" i="1" dirty="0">
+                                  <a:solidFill>
+                                    <a:schemeClr val="accent1"/>
+                                  </a:solidFill>
+                                  <a:latin typeface="Cambria Math" panose="02040503050406030204" pitchFamily="18" charset="0"/>
+                                </a:rPr>
+                              </m:ctrlPr>
+                            </m:sSupPr>
+                            <m:e>
+                              <m:r>
+                                <a:rPr lang="en-US" sz="2800" b="0" i="1" dirty="0" smtClean="0">
+                                  <a:solidFill>
+                                    <a:schemeClr val="accent1"/>
+                                  </a:solidFill>
+                                  <a:latin typeface="Cambria Math" panose="02040503050406030204" pitchFamily="18" charset="0"/>
+                                </a:rPr>
+                                <m:t>𝑦</m:t>
+                              </m:r>
+                            </m:e>
+                            <m:sup>
+                              <m:r>
+                                <a:rPr lang="fr-FR" sz="2800" i="0" dirty="0">
+                                  <a:solidFill>
+                                    <a:schemeClr val="accent1"/>
+                                  </a:solidFill>
+                                  <a:latin typeface="Cambria Math" panose="02040503050406030204" pitchFamily="18" charset="0"/>
+                                </a:rPr>
+                                <m:t>−1</m:t>
+                              </m:r>
+                            </m:sup>
+                          </m:sSup>
+                          <m:sSub>
+                            <m:sSubPr>
+                              <m:ctrlPr>
+                                <a:rPr lang="fr-FR" sz="2800" i="1" dirty="0">
+                                  <a:solidFill>
+                                    <a:schemeClr val="accent1"/>
+                                  </a:solidFill>
+                                  <a:latin typeface="Cambria Math" panose="02040503050406030204" pitchFamily="18" charset="0"/>
+                                </a:rPr>
+                              </m:ctrlPr>
+                            </m:sSubPr>
+                            <m:e>
+                              <m:r>
+                                <a:rPr lang="fr-FR" sz="2800" i="1" dirty="0">
+                                  <a:solidFill>
+                                    <a:schemeClr val="accent1"/>
+                                  </a:solidFill>
+                                  <a:latin typeface="Cambria Math" panose="02040503050406030204" pitchFamily="18" charset="0"/>
+                                </a:rPr>
+                                <m:t>𝑎</m:t>
+                              </m:r>
+                            </m:e>
+                            <m:sub>
+                              <m:r>
+                                <m:rPr>
+                                  <m:sty m:val="p"/>
+                                </m:rPr>
+                                <a:rPr lang="en-US" sz="2800" b="0" i="0" dirty="0" smtClean="0">
+                                  <a:solidFill>
+                                    <a:schemeClr val="accent1"/>
+                                  </a:solidFill>
+                                  <a:latin typeface="Cambria Math" panose="02040503050406030204" pitchFamily="18" charset="0"/>
+                                </a:rPr>
+                                <m:t>q</m:t>
+                              </m:r>
+                            </m:sub>
+                          </m:sSub>
+                        </m:den>
+                      </m:f>
+                    </m:oMath>
+                  </m:oMathPara>
+                </a14:m>
+                <a:endParaRPr lang="fr-FR" sz="2800" dirty="0"/>
+              </a:p>
+            </p:txBody>
+          </p:sp>
+        </mc:Choice>
+        <mc:Fallback>
+          <p:sp>
+            <p:nvSpPr>
+              <p:cNvPr id="3" name="Espace réservé du texte 2">
+                <a:extLst>
+                  <a:ext uri="{FF2B5EF4-FFF2-40B4-BE49-F238E27FC236}">
+                    <a16:creationId xmlns:a16="http://schemas.microsoft.com/office/drawing/2014/main" id="{C1A17715-D5FD-F5FF-5C5F-0CECEF2471D2}"/>
+                  </a:ext>
+                </a:extLst>
+              </p:cNvPr>
+              <p:cNvSpPr>
+                <a:spLocks noGrp="1" noRot="1" noChangeAspect="1" noMove="1" noResize="1" noEditPoints="1" noAdjustHandles="1" noChangeArrowheads="1" noChangeShapeType="1" noTextEdit="1"/>
+              </p:cNvSpPr>
+              <p:nvPr>
+                <p:ph type="body" sz="quarter" idx="14"/>
+              </p:nvPr>
+            </p:nvSpPr>
+            <p:spPr>
+              <a:blipFill>
+                <a:blip r:embed="rId2"/>
+                <a:stretch>
+                  <a:fillRect l="-998" t="-1622"/>
+                </a:stretch>
+              </a:blipFill>
+            </p:spPr>
+            <p:txBody>
+              <a:bodyPr/>
+              <a:lstStyle/>
+              <a:p>
+                <a:r>
+                  <a:rPr lang="fr-FR">
+                    <a:noFill/>
+                  </a:rPr>
+                  <a:t> </a:t>
+                </a:r>
+              </a:p>
+            </p:txBody>
+          </p:sp>
+        </mc:Fallback>
+      </mc:AlternateContent>
     </p:spTree>
     <p:extLst>
       <p:ext uri="{BB962C8B-B14F-4D97-AF65-F5344CB8AC3E}">
-        <p14:creationId xmlns:p14="http://schemas.microsoft.com/office/powerpoint/2010/main" val="1147797226"/>
+        <p14:creationId xmlns:p14="http://schemas.microsoft.com/office/powerpoint/2010/main" val="3688069299"/>
       </p:ext>
     </p:extLst>
   </p:cSld>

--- a/rendu/diapo/ENS-PARIS-SACLAY_GABARIT-PPT_V5.pptx
+++ b/rendu/diapo/ENS-PARIS-SACLAY_GABARIT-PPT_V5.pptx
@@ -445,7 +445,7 @@
           <a:p>
             <a:fld id="{BD584484-E809-CB45-8EAF-D584AC7962C5}" type="datetimeFigureOut">
               <a:rPr lang="fr-FR" smtClean="0"/>
-              <a:t>04/09/2022</a:t>
+              <a:t>05/09/2022</a:t>
             </a:fld>
             <a:endParaRPr lang="fr-FR"/>
           </a:p>
@@ -1025,7 +1025,7 @@
             <a:effectLst/>
             <a:extLst>
               <a:ext uri="{C572A759-6A51-4108-AA02-DFA0A04FC94B}">
-                <ma14:wrappingTextBoxFlag xmlns:ma14="http://schemas.microsoft.com/office/mac/drawingml/2011/main" xmlns:a14="http://schemas.microsoft.com/office/drawing/2010/main" xmlns:m="http://schemas.openxmlformats.org/officeDocument/2006/math" xmlns="" val="1"/>
+                <ma14:wrappingTextBoxFlag xmlns="" xmlns:m="http://schemas.openxmlformats.org/officeDocument/2006/math" xmlns:a14="http://schemas.microsoft.com/office/drawing/2010/main" xmlns:ma14="http://schemas.microsoft.com/office/mac/drawingml/2011/main" val="1"/>
               </a:ext>
             </a:extLst>
           </p:spPr>
@@ -1155,7 +1155,7 @@
             <a:effectLst/>
             <a:extLst>
               <a:ext uri="{C572A759-6A51-4108-AA02-DFA0A04FC94B}">
-                <ma14:wrappingTextBoxFlag xmlns:ma14="http://schemas.microsoft.com/office/mac/drawingml/2011/main" xmlns:a14="http://schemas.microsoft.com/office/drawing/2010/main" xmlns:m="http://schemas.openxmlformats.org/officeDocument/2006/math" xmlns="" val="1"/>
+                <ma14:wrappingTextBoxFlag xmlns="" xmlns:m="http://schemas.openxmlformats.org/officeDocument/2006/math" xmlns:a14="http://schemas.microsoft.com/office/drawing/2010/main" xmlns:ma14="http://schemas.microsoft.com/office/mac/drawingml/2011/main" val="1"/>
               </a:ext>
             </a:extLst>
           </p:spPr>
@@ -1310,7 +1310,7 @@
           </a:ln>
           <a:extLst>
             <a:ext uri="{C572A759-6A51-4108-AA02-DFA0A04FC94B}">
-              <ma14:wrappingTextBoxFlag xmlns:ma14="http://schemas.microsoft.com/office/mac/drawingml/2011/main" xmlns:a14="http://schemas.microsoft.com/office/drawing/2010/main" xmlns:m="http://schemas.openxmlformats.org/officeDocument/2006/math" xmlns="" val="1"/>
+              <ma14:wrappingTextBoxFlag xmlns="" xmlns:m="http://schemas.openxmlformats.org/officeDocument/2006/math" xmlns:a14="http://schemas.microsoft.com/office/drawing/2010/main" xmlns:ma14="http://schemas.microsoft.com/office/mac/drawingml/2011/main" val="1"/>
             </a:ext>
           </a:extLst>
         </p:spPr>
@@ -1378,7 +1378,7 @@
           </a:ln>
           <a:extLst>
             <a:ext uri="{C572A759-6A51-4108-AA02-DFA0A04FC94B}">
-              <ma14:wrappingTextBoxFlag xmlns:ma14="http://schemas.microsoft.com/office/mac/drawingml/2011/main" xmlns:a14="http://schemas.microsoft.com/office/drawing/2010/main" xmlns:m="http://schemas.openxmlformats.org/officeDocument/2006/math" xmlns="" val="1"/>
+              <ma14:wrappingTextBoxFlag xmlns="" xmlns:m="http://schemas.openxmlformats.org/officeDocument/2006/math" xmlns:a14="http://schemas.microsoft.com/office/drawing/2010/main" xmlns:ma14="http://schemas.microsoft.com/office/mac/drawingml/2011/main" val="1"/>
             </a:ext>
           </a:extLst>
         </p:spPr>
@@ -1755,7 +1755,7 @@
           <a:effectLst/>
           <a:extLst>
             <a:ext uri="{C572A759-6A51-4108-AA02-DFA0A04FC94B}">
-              <ma14:wrappingTextBoxFlag xmlns:ma14="http://schemas.microsoft.com/office/mac/drawingml/2011/main" xmlns:a14="http://schemas.microsoft.com/office/drawing/2010/main" xmlns:m="http://schemas.openxmlformats.org/officeDocument/2006/math" xmlns="" val="1"/>
+              <ma14:wrappingTextBoxFlag xmlns="" xmlns:m="http://schemas.openxmlformats.org/officeDocument/2006/math" xmlns:a14="http://schemas.microsoft.com/office/drawing/2010/main" xmlns:ma14="http://schemas.microsoft.com/office/mac/drawingml/2011/main" val="1"/>
             </a:ext>
           </a:extLst>
         </p:spPr>
@@ -1885,7 +1885,7 @@
           <a:effectLst/>
           <a:extLst>
             <a:ext uri="{C572A759-6A51-4108-AA02-DFA0A04FC94B}">
-              <ma14:wrappingTextBoxFlag xmlns:ma14="http://schemas.microsoft.com/office/mac/drawingml/2011/main" xmlns:a14="http://schemas.microsoft.com/office/drawing/2010/main" xmlns:m="http://schemas.openxmlformats.org/officeDocument/2006/math" xmlns="" val="1"/>
+              <ma14:wrappingTextBoxFlag xmlns="" xmlns:m="http://schemas.openxmlformats.org/officeDocument/2006/math" xmlns:a14="http://schemas.microsoft.com/office/drawing/2010/main" xmlns:ma14="http://schemas.microsoft.com/office/mac/drawingml/2011/main" val="1"/>
             </a:ext>
           </a:extLst>
         </p:spPr>
@@ -1949,7 +1949,7 @@
           </a:ln>
           <a:extLst>
             <a:ext uri="{C572A759-6A51-4108-AA02-DFA0A04FC94B}">
-              <ma14:wrappingTextBoxFlag xmlns:ma14="http://schemas.microsoft.com/office/mac/drawingml/2011/main" xmlns:a14="http://schemas.microsoft.com/office/drawing/2010/main" xmlns:m="http://schemas.openxmlformats.org/officeDocument/2006/math" xmlns="" val="1"/>
+              <ma14:wrappingTextBoxFlag xmlns="" xmlns:m="http://schemas.openxmlformats.org/officeDocument/2006/math" xmlns:a14="http://schemas.microsoft.com/office/drawing/2010/main" xmlns:ma14="http://schemas.microsoft.com/office/mac/drawingml/2011/main" val="1"/>
             </a:ext>
           </a:extLst>
         </p:spPr>
@@ -2017,7 +2017,7 @@
           </a:ln>
           <a:extLst>
             <a:ext uri="{C572A759-6A51-4108-AA02-DFA0A04FC94B}">
-              <ma14:wrappingTextBoxFlag xmlns:ma14="http://schemas.microsoft.com/office/mac/drawingml/2011/main" xmlns:a14="http://schemas.microsoft.com/office/drawing/2010/main" xmlns:m="http://schemas.openxmlformats.org/officeDocument/2006/math" xmlns="" val="1"/>
+              <ma14:wrappingTextBoxFlag xmlns="" xmlns:m="http://schemas.openxmlformats.org/officeDocument/2006/math" xmlns:a14="http://schemas.microsoft.com/office/drawing/2010/main" xmlns:ma14="http://schemas.microsoft.com/office/mac/drawingml/2011/main" val="1"/>
             </a:ext>
           </a:extLst>
         </p:spPr>
@@ -2349,7 +2349,7 @@
           <a:effectLst/>
           <a:extLst>
             <a:ext uri="{C572A759-6A51-4108-AA02-DFA0A04FC94B}">
-              <ma14:wrappingTextBoxFlag xmlns:ma14="http://schemas.microsoft.com/office/mac/drawingml/2011/main" xmlns:a14="http://schemas.microsoft.com/office/drawing/2010/main" xmlns:m="http://schemas.openxmlformats.org/officeDocument/2006/math" xmlns="" val="1"/>
+              <ma14:wrappingTextBoxFlag xmlns="" xmlns:m="http://schemas.openxmlformats.org/officeDocument/2006/math" xmlns:a14="http://schemas.microsoft.com/office/drawing/2010/main" xmlns:ma14="http://schemas.microsoft.com/office/mac/drawingml/2011/main" val="1"/>
             </a:ext>
           </a:extLst>
         </p:spPr>
@@ -2479,7 +2479,7 @@
           <a:effectLst/>
           <a:extLst>
             <a:ext uri="{C572A759-6A51-4108-AA02-DFA0A04FC94B}">
-              <ma14:wrappingTextBoxFlag xmlns:ma14="http://schemas.microsoft.com/office/mac/drawingml/2011/main" xmlns:a14="http://schemas.microsoft.com/office/drawing/2010/main" xmlns:m="http://schemas.openxmlformats.org/officeDocument/2006/math" xmlns="" val="1"/>
+              <ma14:wrappingTextBoxFlag xmlns="" xmlns:m="http://schemas.openxmlformats.org/officeDocument/2006/math" xmlns:a14="http://schemas.microsoft.com/office/drawing/2010/main" xmlns:ma14="http://schemas.microsoft.com/office/mac/drawingml/2011/main" val="1"/>
             </a:ext>
           </a:extLst>
         </p:spPr>
@@ -2543,7 +2543,7 @@
           </a:ln>
           <a:extLst>
             <a:ext uri="{C572A759-6A51-4108-AA02-DFA0A04FC94B}">
-              <ma14:wrappingTextBoxFlag xmlns:ma14="http://schemas.microsoft.com/office/mac/drawingml/2011/main" xmlns:a14="http://schemas.microsoft.com/office/drawing/2010/main" xmlns:m="http://schemas.openxmlformats.org/officeDocument/2006/math" xmlns="" val="1"/>
+              <ma14:wrappingTextBoxFlag xmlns="" xmlns:m="http://schemas.openxmlformats.org/officeDocument/2006/math" xmlns:a14="http://schemas.microsoft.com/office/drawing/2010/main" xmlns:ma14="http://schemas.microsoft.com/office/mac/drawingml/2011/main" val="1"/>
             </a:ext>
           </a:extLst>
         </p:spPr>
@@ -2611,7 +2611,7 @@
           </a:ln>
           <a:extLst>
             <a:ext uri="{C572A759-6A51-4108-AA02-DFA0A04FC94B}">
-              <ma14:wrappingTextBoxFlag xmlns:ma14="http://schemas.microsoft.com/office/mac/drawingml/2011/main" xmlns:a14="http://schemas.microsoft.com/office/drawing/2010/main" xmlns:m="http://schemas.openxmlformats.org/officeDocument/2006/math" xmlns="" val="1"/>
+              <ma14:wrappingTextBoxFlag xmlns="" xmlns:m="http://schemas.openxmlformats.org/officeDocument/2006/math" xmlns:a14="http://schemas.microsoft.com/office/drawing/2010/main" xmlns:ma14="http://schemas.microsoft.com/office/mac/drawingml/2011/main" val="1"/>
             </a:ext>
           </a:extLst>
         </p:spPr>
@@ -2881,7 +2881,7 @@
           <a:effectLst/>
           <a:extLst>
             <a:ext uri="{C572A759-6A51-4108-AA02-DFA0A04FC94B}">
-              <ma14:wrappingTextBoxFlag xmlns:ma14="http://schemas.microsoft.com/office/mac/drawingml/2011/main" xmlns:a14="http://schemas.microsoft.com/office/drawing/2010/main" xmlns:m="http://schemas.openxmlformats.org/officeDocument/2006/math" xmlns="" val="1"/>
+              <ma14:wrappingTextBoxFlag xmlns="" xmlns:m="http://schemas.openxmlformats.org/officeDocument/2006/math" xmlns:a14="http://schemas.microsoft.com/office/drawing/2010/main" xmlns:ma14="http://schemas.microsoft.com/office/mac/drawingml/2011/main" val="1"/>
             </a:ext>
           </a:extLst>
         </p:spPr>
@@ -3011,7 +3011,7 @@
           <a:effectLst/>
           <a:extLst>
             <a:ext uri="{C572A759-6A51-4108-AA02-DFA0A04FC94B}">
-              <ma14:wrappingTextBoxFlag xmlns:ma14="http://schemas.microsoft.com/office/mac/drawingml/2011/main" xmlns:a14="http://schemas.microsoft.com/office/drawing/2010/main" xmlns:m="http://schemas.openxmlformats.org/officeDocument/2006/math" xmlns="" val="1"/>
+              <ma14:wrappingTextBoxFlag xmlns="" xmlns:m="http://schemas.openxmlformats.org/officeDocument/2006/math" xmlns:a14="http://schemas.microsoft.com/office/drawing/2010/main" xmlns:ma14="http://schemas.microsoft.com/office/mac/drawingml/2011/main" val="1"/>
             </a:ext>
           </a:extLst>
         </p:spPr>
@@ -3075,7 +3075,7 @@
           </a:ln>
           <a:extLst>
             <a:ext uri="{C572A759-6A51-4108-AA02-DFA0A04FC94B}">
-              <ma14:wrappingTextBoxFlag xmlns:ma14="http://schemas.microsoft.com/office/mac/drawingml/2011/main" xmlns:a14="http://schemas.microsoft.com/office/drawing/2010/main" xmlns:m="http://schemas.openxmlformats.org/officeDocument/2006/math" xmlns="" val="1"/>
+              <ma14:wrappingTextBoxFlag xmlns="" xmlns:m="http://schemas.openxmlformats.org/officeDocument/2006/math" xmlns:a14="http://schemas.microsoft.com/office/drawing/2010/main" xmlns:ma14="http://schemas.microsoft.com/office/mac/drawingml/2011/main" val="1"/>
             </a:ext>
           </a:extLst>
         </p:spPr>
@@ -3143,7 +3143,7 @@
           </a:ln>
           <a:extLst>
             <a:ext uri="{C572A759-6A51-4108-AA02-DFA0A04FC94B}">
-              <ma14:wrappingTextBoxFlag xmlns:ma14="http://schemas.microsoft.com/office/mac/drawingml/2011/main" xmlns:a14="http://schemas.microsoft.com/office/drawing/2010/main" xmlns:m="http://schemas.openxmlformats.org/officeDocument/2006/math" xmlns="" val="1"/>
+              <ma14:wrappingTextBoxFlag xmlns="" xmlns:m="http://schemas.openxmlformats.org/officeDocument/2006/math" xmlns:a14="http://schemas.microsoft.com/office/drawing/2010/main" xmlns:ma14="http://schemas.microsoft.com/office/mac/drawingml/2011/main" val="1"/>
             </a:ext>
           </a:extLst>
         </p:spPr>
@@ -3413,7 +3413,7 @@
           <a:effectLst/>
           <a:extLst>
             <a:ext uri="{C572A759-6A51-4108-AA02-DFA0A04FC94B}">
-              <ma14:wrappingTextBoxFlag xmlns:ma14="http://schemas.microsoft.com/office/mac/drawingml/2011/main" xmlns:a14="http://schemas.microsoft.com/office/drawing/2010/main" xmlns:m="http://schemas.openxmlformats.org/officeDocument/2006/math" xmlns="" val="1"/>
+              <ma14:wrappingTextBoxFlag xmlns="" xmlns:m="http://schemas.openxmlformats.org/officeDocument/2006/math" xmlns:a14="http://schemas.microsoft.com/office/drawing/2010/main" xmlns:ma14="http://schemas.microsoft.com/office/mac/drawingml/2011/main" val="1"/>
             </a:ext>
           </a:extLst>
         </p:spPr>
@@ -3543,7 +3543,7 @@
           <a:effectLst/>
           <a:extLst>
             <a:ext uri="{C572A759-6A51-4108-AA02-DFA0A04FC94B}">
-              <ma14:wrappingTextBoxFlag xmlns:ma14="http://schemas.microsoft.com/office/mac/drawingml/2011/main" xmlns:a14="http://schemas.microsoft.com/office/drawing/2010/main" xmlns:m="http://schemas.openxmlformats.org/officeDocument/2006/math" xmlns="" val="1"/>
+              <ma14:wrappingTextBoxFlag xmlns="" xmlns:m="http://schemas.openxmlformats.org/officeDocument/2006/math" xmlns:a14="http://schemas.microsoft.com/office/drawing/2010/main" xmlns:ma14="http://schemas.microsoft.com/office/mac/drawingml/2011/main" val="1"/>
             </a:ext>
           </a:extLst>
         </p:spPr>
@@ -3607,7 +3607,7 @@
           </a:ln>
           <a:extLst>
             <a:ext uri="{C572A759-6A51-4108-AA02-DFA0A04FC94B}">
-              <ma14:wrappingTextBoxFlag xmlns:ma14="http://schemas.microsoft.com/office/mac/drawingml/2011/main" xmlns:a14="http://schemas.microsoft.com/office/drawing/2010/main" xmlns:m="http://schemas.openxmlformats.org/officeDocument/2006/math" xmlns="" val="1"/>
+              <ma14:wrappingTextBoxFlag xmlns="" xmlns:m="http://schemas.openxmlformats.org/officeDocument/2006/math" xmlns:a14="http://schemas.microsoft.com/office/drawing/2010/main" xmlns:ma14="http://schemas.microsoft.com/office/mac/drawingml/2011/main" val="1"/>
             </a:ext>
           </a:extLst>
         </p:spPr>
@@ -3675,7 +3675,7 @@
           </a:ln>
           <a:extLst>
             <a:ext uri="{C572A759-6A51-4108-AA02-DFA0A04FC94B}">
-              <ma14:wrappingTextBoxFlag xmlns:ma14="http://schemas.microsoft.com/office/mac/drawingml/2011/main" xmlns:a14="http://schemas.microsoft.com/office/drawing/2010/main" xmlns:m="http://schemas.openxmlformats.org/officeDocument/2006/math" xmlns="" val="1"/>
+              <ma14:wrappingTextBoxFlag xmlns="" xmlns:m="http://schemas.openxmlformats.org/officeDocument/2006/math" xmlns:a14="http://schemas.microsoft.com/office/drawing/2010/main" xmlns:ma14="http://schemas.microsoft.com/office/mac/drawingml/2011/main" val="1"/>
             </a:ext>
           </a:extLst>
         </p:spPr>
@@ -4919,7 +4919,7 @@
           </a:ln>
           <a:extLst>
             <a:ext uri="{C572A759-6A51-4108-AA02-DFA0A04FC94B}">
-              <ma14:wrappingTextBoxFlag xmlns:ma14="http://schemas.microsoft.com/office/mac/drawingml/2011/main" xmlns:a14="http://schemas.microsoft.com/office/drawing/2010/main" xmlns:m="http://schemas.openxmlformats.org/officeDocument/2006/math" xmlns="" val="1"/>
+              <ma14:wrappingTextBoxFlag xmlns="" xmlns:m="http://schemas.openxmlformats.org/officeDocument/2006/math" xmlns:a14="http://schemas.microsoft.com/office/drawing/2010/main" xmlns:ma14="http://schemas.microsoft.com/office/mac/drawingml/2011/main" val="1"/>
             </a:ext>
           </a:extLst>
         </p:spPr>
@@ -8119,7 +8119,7 @@
           </a:ln>
           <a:extLst>
             <a:ext uri="{C572A759-6A51-4108-AA02-DFA0A04FC94B}">
-              <ma14:wrappingTextBoxFlag xmlns:ma14="http://schemas.microsoft.com/office/mac/drawingml/2011/main" xmlns:a14="http://schemas.microsoft.com/office/drawing/2010/main" xmlns:m="http://schemas.openxmlformats.org/officeDocument/2006/math" xmlns="" val="1"/>
+              <ma14:wrappingTextBoxFlag xmlns="" xmlns:m="http://schemas.openxmlformats.org/officeDocument/2006/math" xmlns:a14="http://schemas.microsoft.com/office/drawing/2010/main" xmlns:ma14="http://schemas.microsoft.com/office/mac/drawingml/2011/main" val="1"/>
             </a:ext>
           </a:extLst>
         </p:spPr>
@@ -8178,7 +8178,7 @@
           </a:ln>
           <a:extLst>
             <a:ext uri="{C572A759-6A51-4108-AA02-DFA0A04FC94B}">
-              <ma14:wrappingTextBoxFlag xmlns:ma14="http://schemas.microsoft.com/office/mac/drawingml/2011/main" xmlns:a14="http://schemas.microsoft.com/office/drawing/2010/main" xmlns:m="http://schemas.openxmlformats.org/officeDocument/2006/math" xmlns="" val="1"/>
+              <ma14:wrappingTextBoxFlag xmlns="" xmlns:m="http://schemas.openxmlformats.org/officeDocument/2006/math" xmlns:a14="http://schemas.microsoft.com/office/drawing/2010/main" xmlns:ma14="http://schemas.microsoft.com/office/mac/drawingml/2011/main" val="1"/>
             </a:ext>
           </a:extLst>
         </p:spPr>
@@ -8237,7 +8237,7 @@
           </a:ln>
           <a:extLst>
             <a:ext uri="{C572A759-6A51-4108-AA02-DFA0A04FC94B}">
-              <ma14:wrappingTextBoxFlag xmlns:ma14="http://schemas.microsoft.com/office/mac/drawingml/2011/main" xmlns:a14="http://schemas.microsoft.com/office/drawing/2010/main" xmlns:m="http://schemas.openxmlformats.org/officeDocument/2006/math" xmlns="" val="1"/>
+              <ma14:wrappingTextBoxFlag xmlns="" xmlns:m="http://schemas.openxmlformats.org/officeDocument/2006/math" xmlns:a14="http://schemas.microsoft.com/office/drawing/2010/main" xmlns:ma14="http://schemas.microsoft.com/office/mac/drawingml/2011/main" val="1"/>
             </a:ext>
           </a:extLst>
         </p:spPr>
@@ -8296,7 +8296,7 @@
           </a:ln>
           <a:extLst>
             <a:ext uri="{C572A759-6A51-4108-AA02-DFA0A04FC94B}">
-              <ma14:wrappingTextBoxFlag xmlns:ma14="http://schemas.microsoft.com/office/mac/drawingml/2011/main" xmlns:a14="http://schemas.microsoft.com/office/drawing/2010/main" xmlns:m="http://schemas.openxmlformats.org/officeDocument/2006/math" xmlns="" val="1"/>
+              <ma14:wrappingTextBoxFlag xmlns="" xmlns:m="http://schemas.openxmlformats.org/officeDocument/2006/math" xmlns:a14="http://schemas.microsoft.com/office/drawing/2010/main" xmlns:ma14="http://schemas.microsoft.com/office/mac/drawingml/2011/main" val="1"/>
             </a:ext>
           </a:extLst>
         </p:spPr>
@@ -8355,7 +8355,7 @@
           </a:ln>
           <a:extLst>
             <a:ext uri="{C572A759-6A51-4108-AA02-DFA0A04FC94B}">
-              <ma14:wrappingTextBoxFlag xmlns:ma14="http://schemas.microsoft.com/office/mac/drawingml/2011/main" xmlns:a14="http://schemas.microsoft.com/office/drawing/2010/main" xmlns:m="http://schemas.openxmlformats.org/officeDocument/2006/math" xmlns="" val="1"/>
+              <ma14:wrappingTextBoxFlag xmlns="" xmlns:m="http://schemas.openxmlformats.org/officeDocument/2006/math" xmlns:a14="http://schemas.microsoft.com/office/drawing/2010/main" xmlns:ma14="http://schemas.microsoft.com/office/mac/drawingml/2011/main" val="1"/>
             </a:ext>
           </a:extLst>
         </p:spPr>
@@ -8414,7 +8414,7 @@
           </a:ln>
           <a:extLst>
             <a:ext uri="{C572A759-6A51-4108-AA02-DFA0A04FC94B}">
-              <ma14:wrappingTextBoxFlag xmlns:ma14="http://schemas.microsoft.com/office/mac/drawingml/2011/main" xmlns:a14="http://schemas.microsoft.com/office/drawing/2010/main" xmlns:m="http://schemas.openxmlformats.org/officeDocument/2006/math" xmlns="" val="1"/>
+              <ma14:wrappingTextBoxFlag xmlns="" xmlns:m="http://schemas.openxmlformats.org/officeDocument/2006/math" xmlns:a14="http://schemas.microsoft.com/office/drawing/2010/main" xmlns:ma14="http://schemas.microsoft.com/office/mac/drawingml/2011/main" val="1"/>
             </a:ext>
           </a:extLst>
         </p:spPr>
@@ -8473,7 +8473,7 @@
           </a:ln>
           <a:extLst>
             <a:ext uri="{C572A759-6A51-4108-AA02-DFA0A04FC94B}">
-              <ma14:wrappingTextBoxFlag xmlns:ma14="http://schemas.microsoft.com/office/mac/drawingml/2011/main" xmlns:a14="http://schemas.microsoft.com/office/drawing/2010/main" xmlns:m="http://schemas.openxmlformats.org/officeDocument/2006/math" xmlns="" val="1"/>
+              <ma14:wrappingTextBoxFlag xmlns="" xmlns:m="http://schemas.openxmlformats.org/officeDocument/2006/math" xmlns:a14="http://schemas.microsoft.com/office/drawing/2010/main" xmlns:ma14="http://schemas.microsoft.com/office/mac/drawingml/2011/main" val="1"/>
             </a:ext>
           </a:extLst>
         </p:spPr>
@@ -8532,7 +8532,7 @@
           </a:ln>
           <a:extLst>
             <a:ext uri="{C572A759-6A51-4108-AA02-DFA0A04FC94B}">
-              <ma14:wrappingTextBoxFlag xmlns:ma14="http://schemas.microsoft.com/office/mac/drawingml/2011/main" xmlns:a14="http://schemas.microsoft.com/office/drawing/2010/main" xmlns:m="http://schemas.openxmlformats.org/officeDocument/2006/math" xmlns="" val="1"/>
+              <ma14:wrappingTextBoxFlag xmlns="" xmlns:m="http://schemas.openxmlformats.org/officeDocument/2006/math" xmlns:a14="http://schemas.microsoft.com/office/drawing/2010/main" xmlns:ma14="http://schemas.microsoft.com/office/mac/drawingml/2011/main" val="1"/>
             </a:ext>
           </a:extLst>
         </p:spPr>
@@ -8591,7 +8591,7 @@
           </a:ln>
           <a:extLst>
             <a:ext uri="{C572A759-6A51-4108-AA02-DFA0A04FC94B}">
-              <ma14:wrappingTextBoxFlag xmlns:ma14="http://schemas.microsoft.com/office/mac/drawingml/2011/main" xmlns:a14="http://schemas.microsoft.com/office/drawing/2010/main" xmlns:m="http://schemas.openxmlformats.org/officeDocument/2006/math" xmlns="" val="1"/>
+              <ma14:wrappingTextBoxFlag xmlns="" xmlns:m="http://schemas.openxmlformats.org/officeDocument/2006/math" xmlns:a14="http://schemas.microsoft.com/office/drawing/2010/main" xmlns:ma14="http://schemas.microsoft.com/office/mac/drawingml/2011/main" val="1"/>
             </a:ext>
           </a:extLst>
         </p:spPr>
@@ -8988,7 +8988,7 @@
           </a:ln>
           <a:extLst>
             <a:ext uri="{C572A759-6A51-4108-AA02-DFA0A04FC94B}">
-              <ma14:wrappingTextBoxFlag xmlns:ma14="http://schemas.microsoft.com/office/mac/drawingml/2011/main" xmlns:a14="http://schemas.microsoft.com/office/drawing/2010/main" xmlns:m="http://schemas.openxmlformats.org/officeDocument/2006/math" xmlns="" val="1"/>
+              <ma14:wrappingTextBoxFlag xmlns="" xmlns:m="http://schemas.openxmlformats.org/officeDocument/2006/math" xmlns:a14="http://schemas.microsoft.com/office/drawing/2010/main" xmlns:ma14="http://schemas.microsoft.com/office/mac/drawingml/2011/main" val="1"/>
             </a:ext>
           </a:extLst>
         </p:spPr>
@@ -9043,7 +9043,7 @@
           </a:ln>
           <a:extLst>
             <a:ext uri="{C572A759-6A51-4108-AA02-DFA0A04FC94B}">
-              <ma14:wrappingTextBoxFlag xmlns:ma14="http://schemas.microsoft.com/office/mac/drawingml/2011/main" xmlns:a14="http://schemas.microsoft.com/office/drawing/2010/main" xmlns:m="http://schemas.openxmlformats.org/officeDocument/2006/math" xmlns="" val="1"/>
+              <ma14:wrappingTextBoxFlag xmlns="" xmlns:m="http://schemas.openxmlformats.org/officeDocument/2006/math" xmlns:a14="http://schemas.microsoft.com/office/drawing/2010/main" xmlns:ma14="http://schemas.microsoft.com/office/mac/drawingml/2011/main" val="1"/>
             </a:ext>
           </a:extLst>
         </p:spPr>
@@ -9133,7 +9133,7 @@
           </a:ln>
           <a:extLst>
             <a:ext uri="{C572A759-6A51-4108-AA02-DFA0A04FC94B}">
-              <ma14:wrappingTextBoxFlag xmlns:ma14="http://schemas.microsoft.com/office/mac/drawingml/2011/main" xmlns:a14="http://schemas.microsoft.com/office/drawing/2010/main" xmlns:m="http://schemas.openxmlformats.org/officeDocument/2006/math" xmlns="" val="1"/>
+              <ma14:wrappingTextBoxFlag xmlns="" xmlns:m="http://schemas.openxmlformats.org/officeDocument/2006/math" xmlns:a14="http://schemas.microsoft.com/office/drawing/2010/main" xmlns:ma14="http://schemas.microsoft.com/office/mac/drawingml/2011/main" val="1"/>
             </a:ext>
           </a:extLst>
         </p:spPr>
@@ -9185,7 +9185,7 @@
           </a:ln>
           <a:extLst>
             <a:ext uri="{C572A759-6A51-4108-AA02-DFA0A04FC94B}">
-              <ma14:wrappingTextBoxFlag xmlns:ma14="http://schemas.microsoft.com/office/mac/drawingml/2011/main" xmlns:a14="http://schemas.microsoft.com/office/drawing/2010/main" xmlns:m="http://schemas.openxmlformats.org/officeDocument/2006/math" xmlns="" val="1"/>
+              <ma14:wrappingTextBoxFlag xmlns="" xmlns:m="http://schemas.openxmlformats.org/officeDocument/2006/math" xmlns:a14="http://schemas.microsoft.com/office/drawing/2010/main" xmlns:ma14="http://schemas.microsoft.com/office/mac/drawingml/2011/main" val="1"/>
             </a:ext>
           </a:extLst>
         </p:spPr>
@@ -11849,7 +11849,7 @@
         <p:spPr>
           <a:xfrm>
             <a:off x="953788" y="3864214"/>
-            <a:ext cx="8473818" cy="2774471"/>
+            <a:ext cx="8473818" cy="3106870"/>
           </a:xfrm>
           <a:prstGeom prst="rect">
             <a:avLst/>
@@ -11859,7 +11859,7 @@
           </a:ln>
           <a:extLst>
             <a:ext uri="{C572A759-6A51-4108-AA02-DFA0A04FC94B}">
-              <ma14:wrappingTextBoxFlag xmlns:ma14="http://schemas.microsoft.com/office/mac/drawingml/2011/main" xmlns:a14="http://schemas.microsoft.com/office/drawing/2010/main" xmlns:m="http://schemas.openxmlformats.org/officeDocument/2006/math" xmlns="" val="1"/>
+              <ma14:wrappingTextBoxFlag xmlns="" xmlns:m="http://schemas.openxmlformats.org/officeDocument/2006/math" xmlns:a14="http://schemas.microsoft.com/office/drawing/2010/main" xmlns:ma14="http://schemas.microsoft.com/office/mac/drawingml/2011/main" val="1"/>
             </a:ext>
           </a:extLst>
         </p:spPr>
@@ -12012,7 +12012,7 @@
                 <a:cs typeface="DM Sans Bold"/>
                 <a:sym typeface="DM Sans Bold"/>
               </a:rPr>
-              <a:t> impossible</a:t>
+              <a:t> impossible avec ces paramètres</a:t>
             </a:r>
           </a:p>
           <a:p>
@@ -14687,8 +14687,8 @@
           </a:p>
         </p:txBody>
       </p:sp>
-      <mc:AlternateContent xmlns:mc="http://schemas.openxmlformats.org/markup-compatibility/2006">
-        <mc:Choice xmlns:a14="http://schemas.microsoft.com/office/drawing/2010/main" Requires="a14">
+      <mc:AlternateContent xmlns:mc="http://schemas.openxmlformats.org/markup-compatibility/2006" xmlns:a14="http://schemas.microsoft.com/office/drawing/2010/main">
+        <mc:Choice Requires="a14">
           <p:sp>
             <p:nvSpPr>
               <p:cNvPr id="3" name="Espace réservé du texte 2">
@@ -14719,6 +14719,7 @@
                 <a:endParaRPr lang="fr-FR" sz="2800" dirty="0"/>
               </a:p>
               <a:p>
+                <a:pPr/>
                 <a14:m>
                   <m:oMathPara xmlns:m="http://schemas.openxmlformats.org/officeDocument/2006/math">
                     <m:oMathParaPr>
@@ -14809,6 +14810,7 @@
                 <a:endParaRPr lang="fr-FR" sz="2800" dirty="0"/>
               </a:p>
               <a:p>
+                <a:pPr/>
                 <a14:m>
                   <m:oMathPara xmlns:m="http://schemas.openxmlformats.org/officeDocument/2006/math">
                     <m:oMathParaPr>
@@ -14818,7 +14820,7 @@
                       <m:sSub>
                         <m:sSubPr>
                           <m:ctrlPr>
-                            <a:rPr lang="fr-FR" sz="2800" dirty="0" smtClean="0">
+                            <a:rPr lang="fr-FR" sz="2800" i="1" dirty="0" smtClean="0">
                               <a:solidFill>
                                 <a:schemeClr val="accent1"/>
                               </a:solidFill>
@@ -15018,6 +15020,7 @@
                 <a:endParaRPr lang="fr-FR" sz="2800" dirty="0"/>
               </a:p>
               <a:p>
+                <a:pPr/>
                 <a14:m>
                   <m:oMathPara xmlns:m="http://schemas.openxmlformats.org/officeDocument/2006/math">
                     <m:oMathParaPr>
@@ -15027,7 +15030,7 @@
                       <m:sSub>
                         <m:sSubPr>
                           <m:ctrlPr>
-                            <a:rPr lang="fr-FR" sz="2800" dirty="0" smtClean="0">
+                            <a:rPr lang="fr-FR" sz="2800" i="1" dirty="0" smtClean="0">
                               <a:solidFill>
                                 <a:schemeClr val="accent1"/>
                               </a:solidFill>
@@ -15281,7 +15284,7 @@
             </p:txBody>
           </p:sp>
         </mc:Choice>
-        <mc:Fallback>
+        <mc:Fallback xmlns="">
           <p:sp>
             <p:nvSpPr>
               <p:cNvPr id="3" name="Espace réservé du texte 2">
@@ -16117,7 +16120,7 @@
         </a:ln>
         <a:extLst>
           <a:ext uri="{C572A759-6A51-4108-AA02-DFA0A04FC94B}">
-            <ma14:wrappingTextBoxFlag xmlns:ma14="http://schemas.microsoft.com/office/mac/drawingml/2011/main" xmlns:a14="http://schemas.microsoft.com/office/drawing/2010/main" xmlns:m="http://schemas.openxmlformats.org/officeDocument/2006/math" xmlns:p="http://schemas.openxmlformats.org/presentationml/2006/main" xmlns:r="http://schemas.openxmlformats.org/officeDocument/2006/relationships" xmlns="" val="1"/>
+            <ma14:wrappingTextBoxFlag xmlns="" xmlns:r="http://schemas.openxmlformats.org/officeDocument/2006/relationships" xmlns:p="http://schemas.openxmlformats.org/presentationml/2006/main" xmlns:m="http://schemas.openxmlformats.org/officeDocument/2006/math" xmlns:a14="http://schemas.microsoft.com/office/drawing/2010/main" xmlns:ma14="http://schemas.microsoft.com/office/mac/drawingml/2011/main" val="1"/>
           </a:ext>
         </a:extLst>
       </a:spPr>

--- a/rendu/diapo/ENS-PARIS-SACLAY_GABARIT-PPT_V5.pptx
+++ b/rendu/diapo/ENS-PARIS-SACLAY_GABARIT-PPT_V5.pptx
@@ -7,10 +7,10 @@
     <p:sldMasterId id="2147483710" r:id="rId3"/>
   </p:sldMasterIdLst>
   <p:notesMasterIdLst>
-    <p:notesMasterId r:id="rId30"/>
+    <p:notesMasterId r:id="rId31"/>
   </p:notesMasterIdLst>
   <p:handoutMasterIdLst>
-    <p:handoutMasterId r:id="rId31"/>
+    <p:handoutMasterId r:id="rId32"/>
   </p:handoutMasterIdLst>
   <p:sldIdLst>
     <p:sldId id="256" r:id="rId4"/>
@@ -37,8 +37,9 @@
     <p:sldId id="261" r:id="rId25"/>
     <p:sldId id="279" r:id="rId26"/>
     <p:sldId id="262" r:id="rId27"/>
-    <p:sldId id="271" r:id="rId28"/>
-    <p:sldId id="272" r:id="rId29"/>
+    <p:sldId id="282" r:id="rId28"/>
+    <p:sldId id="271" r:id="rId29"/>
+    <p:sldId id="272" r:id="rId30"/>
   </p:sldIdLst>
   <p:sldSz cx="14859000" cy="10502900"/>
   <p:notesSz cx="6858000" cy="9144000"/>
@@ -1025,7 +1026,7 @@
             <a:effectLst/>
             <a:extLst>
               <a:ext uri="{C572A759-6A51-4108-AA02-DFA0A04FC94B}">
-                <ma14:wrappingTextBoxFlag xmlns="" xmlns:m="http://schemas.openxmlformats.org/officeDocument/2006/math" xmlns:a14="http://schemas.microsoft.com/office/drawing/2010/main" xmlns:ma14="http://schemas.microsoft.com/office/mac/drawingml/2011/main" val="1"/>
+                <ma14:wrappingTextBoxFlag xmlns:ma14="http://schemas.microsoft.com/office/mac/drawingml/2011/main" xmlns:a14="http://schemas.microsoft.com/office/drawing/2010/main" xmlns:m="http://schemas.openxmlformats.org/officeDocument/2006/math" xmlns="" val="1"/>
               </a:ext>
             </a:extLst>
           </p:spPr>
@@ -1155,7 +1156,7 @@
             <a:effectLst/>
             <a:extLst>
               <a:ext uri="{C572A759-6A51-4108-AA02-DFA0A04FC94B}">
-                <ma14:wrappingTextBoxFlag xmlns="" xmlns:m="http://schemas.openxmlformats.org/officeDocument/2006/math" xmlns:a14="http://schemas.microsoft.com/office/drawing/2010/main" xmlns:ma14="http://schemas.microsoft.com/office/mac/drawingml/2011/main" val="1"/>
+                <ma14:wrappingTextBoxFlag xmlns:ma14="http://schemas.microsoft.com/office/mac/drawingml/2011/main" xmlns:a14="http://schemas.microsoft.com/office/drawing/2010/main" xmlns:m="http://schemas.openxmlformats.org/officeDocument/2006/math" xmlns="" val="1"/>
               </a:ext>
             </a:extLst>
           </p:spPr>
@@ -1310,7 +1311,7 @@
           </a:ln>
           <a:extLst>
             <a:ext uri="{C572A759-6A51-4108-AA02-DFA0A04FC94B}">
-              <ma14:wrappingTextBoxFlag xmlns="" xmlns:m="http://schemas.openxmlformats.org/officeDocument/2006/math" xmlns:a14="http://schemas.microsoft.com/office/drawing/2010/main" xmlns:ma14="http://schemas.microsoft.com/office/mac/drawingml/2011/main" val="1"/>
+              <ma14:wrappingTextBoxFlag xmlns:ma14="http://schemas.microsoft.com/office/mac/drawingml/2011/main" xmlns:a14="http://schemas.microsoft.com/office/drawing/2010/main" xmlns:m="http://schemas.openxmlformats.org/officeDocument/2006/math" xmlns="" val="1"/>
             </a:ext>
           </a:extLst>
         </p:spPr>
@@ -1378,7 +1379,7 @@
           </a:ln>
           <a:extLst>
             <a:ext uri="{C572A759-6A51-4108-AA02-DFA0A04FC94B}">
-              <ma14:wrappingTextBoxFlag xmlns="" xmlns:m="http://schemas.openxmlformats.org/officeDocument/2006/math" xmlns:a14="http://schemas.microsoft.com/office/drawing/2010/main" xmlns:ma14="http://schemas.microsoft.com/office/mac/drawingml/2011/main" val="1"/>
+              <ma14:wrappingTextBoxFlag xmlns:ma14="http://schemas.microsoft.com/office/mac/drawingml/2011/main" xmlns:a14="http://schemas.microsoft.com/office/drawing/2010/main" xmlns:m="http://schemas.openxmlformats.org/officeDocument/2006/math" xmlns="" val="1"/>
             </a:ext>
           </a:extLst>
         </p:spPr>
@@ -1755,7 +1756,7 @@
           <a:effectLst/>
           <a:extLst>
             <a:ext uri="{C572A759-6A51-4108-AA02-DFA0A04FC94B}">
-              <ma14:wrappingTextBoxFlag xmlns="" xmlns:m="http://schemas.openxmlformats.org/officeDocument/2006/math" xmlns:a14="http://schemas.microsoft.com/office/drawing/2010/main" xmlns:ma14="http://schemas.microsoft.com/office/mac/drawingml/2011/main" val="1"/>
+              <ma14:wrappingTextBoxFlag xmlns:ma14="http://schemas.microsoft.com/office/mac/drawingml/2011/main" xmlns:a14="http://schemas.microsoft.com/office/drawing/2010/main" xmlns:m="http://schemas.openxmlformats.org/officeDocument/2006/math" xmlns="" val="1"/>
             </a:ext>
           </a:extLst>
         </p:spPr>
@@ -1885,7 +1886,7 @@
           <a:effectLst/>
           <a:extLst>
             <a:ext uri="{C572A759-6A51-4108-AA02-DFA0A04FC94B}">
-              <ma14:wrappingTextBoxFlag xmlns="" xmlns:m="http://schemas.openxmlformats.org/officeDocument/2006/math" xmlns:a14="http://schemas.microsoft.com/office/drawing/2010/main" xmlns:ma14="http://schemas.microsoft.com/office/mac/drawingml/2011/main" val="1"/>
+              <ma14:wrappingTextBoxFlag xmlns:ma14="http://schemas.microsoft.com/office/mac/drawingml/2011/main" xmlns:a14="http://schemas.microsoft.com/office/drawing/2010/main" xmlns:m="http://schemas.openxmlformats.org/officeDocument/2006/math" xmlns="" val="1"/>
             </a:ext>
           </a:extLst>
         </p:spPr>
@@ -1949,7 +1950,7 @@
           </a:ln>
           <a:extLst>
             <a:ext uri="{C572A759-6A51-4108-AA02-DFA0A04FC94B}">
-              <ma14:wrappingTextBoxFlag xmlns="" xmlns:m="http://schemas.openxmlformats.org/officeDocument/2006/math" xmlns:a14="http://schemas.microsoft.com/office/drawing/2010/main" xmlns:ma14="http://schemas.microsoft.com/office/mac/drawingml/2011/main" val="1"/>
+              <ma14:wrappingTextBoxFlag xmlns:ma14="http://schemas.microsoft.com/office/mac/drawingml/2011/main" xmlns:a14="http://schemas.microsoft.com/office/drawing/2010/main" xmlns:m="http://schemas.openxmlformats.org/officeDocument/2006/math" xmlns="" val="1"/>
             </a:ext>
           </a:extLst>
         </p:spPr>
@@ -2017,7 +2018,7 @@
           </a:ln>
           <a:extLst>
             <a:ext uri="{C572A759-6A51-4108-AA02-DFA0A04FC94B}">
-              <ma14:wrappingTextBoxFlag xmlns="" xmlns:m="http://schemas.openxmlformats.org/officeDocument/2006/math" xmlns:a14="http://schemas.microsoft.com/office/drawing/2010/main" xmlns:ma14="http://schemas.microsoft.com/office/mac/drawingml/2011/main" val="1"/>
+              <ma14:wrappingTextBoxFlag xmlns:ma14="http://schemas.microsoft.com/office/mac/drawingml/2011/main" xmlns:a14="http://schemas.microsoft.com/office/drawing/2010/main" xmlns:m="http://schemas.openxmlformats.org/officeDocument/2006/math" xmlns="" val="1"/>
             </a:ext>
           </a:extLst>
         </p:spPr>
@@ -2349,7 +2350,7 @@
           <a:effectLst/>
           <a:extLst>
             <a:ext uri="{C572A759-6A51-4108-AA02-DFA0A04FC94B}">
-              <ma14:wrappingTextBoxFlag xmlns="" xmlns:m="http://schemas.openxmlformats.org/officeDocument/2006/math" xmlns:a14="http://schemas.microsoft.com/office/drawing/2010/main" xmlns:ma14="http://schemas.microsoft.com/office/mac/drawingml/2011/main" val="1"/>
+              <ma14:wrappingTextBoxFlag xmlns:ma14="http://schemas.microsoft.com/office/mac/drawingml/2011/main" xmlns:a14="http://schemas.microsoft.com/office/drawing/2010/main" xmlns:m="http://schemas.openxmlformats.org/officeDocument/2006/math" xmlns="" val="1"/>
             </a:ext>
           </a:extLst>
         </p:spPr>
@@ -2479,7 +2480,7 @@
           <a:effectLst/>
           <a:extLst>
             <a:ext uri="{C572A759-6A51-4108-AA02-DFA0A04FC94B}">
-              <ma14:wrappingTextBoxFlag xmlns="" xmlns:m="http://schemas.openxmlformats.org/officeDocument/2006/math" xmlns:a14="http://schemas.microsoft.com/office/drawing/2010/main" xmlns:ma14="http://schemas.microsoft.com/office/mac/drawingml/2011/main" val="1"/>
+              <ma14:wrappingTextBoxFlag xmlns:ma14="http://schemas.microsoft.com/office/mac/drawingml/2011/main" xmlns:a14="http://schemas.microsoft.com/office/drawing/2010/main" xmlns:m="http://schemas.openxmlformats.org/officeDocument/2006/math" xmlns="" val="1"/>
             </a:ext>
           </a:extLst>
         </p:spPr>
@@ -2543,7 +2544,7 @@
           </a:ln>
           <a:extLst>
             <a:ext uri="{C572A759-6A51-4108-AA02-DFA0A04FC94B}">
-              <ma14:wrappingTextBoxFlag xmlns="" xmlns:m="http://schemas.openxmlformats.org/officeDocument/2006/math" xmlns:a14="http://schemas.microsoft.com/office/drawing/2010/main" xmlns:ma14="http://schemas.microsoft.com/office/mac/drawingml/2011/main" val="1"/>
+              <ma14:wrappingTextBoxFlag xmlns:ma14="http://schemas.microsoft.com/office/mac/drawingml/2011/main" xmlns:a14="http://schemas.microsoft.com/office/drawing/2010/main" xmlns:m="http://schemas.openxmlformats.org/officeDocument/2006/math" xmlns="" val="1"/>
             </a:ext>
           </a:extLst>
         </p:spPr>
@@ -2611,7 +2612,7 @@
           </a:ln>
           <a:extLst>
             <a:ext uri="{C572A759-6A51-4108-AA02-DFA0A04FC94B}">
-              <ma14:wrappingTextBoxFlag xmlns="" xmlns:m="http://schemas.openxmlformats.org/officeDocument/2006/math" xmlns:a14="http://schemas.microsoft.com/office/drawing/2010/main" xmlns:ma14="http://schemas.microsoft.com/office/mac/drawingml/2011/main" val="1"/>
+              <ma14:wrappingTextBoxFlag xmlns:ma14="http://schemas.microsoft.com/office/mac/drawingml/2011/main" xmlns:a14="http://schemas.microsoft.com/office/drawing/2010/main" xmlns:m="http://schemas.openxmlformats.org/officeDocument/2006/math" xmlns="" val="1"/>
             </a:ext>
           </a:extLst>
         </p:spPr>
@@ -2881,7 +2882,7 @@
           <a:effectLst/>
           <a:extLst>
             <a:ext uri="{C572A759-6A51-4108-AA02-DFA0A04FC94B}">
-              <ma14:wrappingTextBoxFlag xmlns="" xmlns:m="http://schemas.openxmlformats.org/officeDocument/2006/math" xmlns:a14="http://schemas.microsoft.com/office/drawing/2010/main" xmlns:ma14="http://schemas.microsoft.com/office/mac/drawingml/2011/main" val="1"/>
+              <ma14:wrappingTextBoxFlag xmlns:ma14="http://schemas.microsoft.com/office/mac/drawingml/2011/main" xmlns:a14="http://schemas.microsoft.com/office/drawing/2010/main" xmlns:m="http://schemas.openxmlformats.org/officeDocument/2006/math" xmlns="" val="1"/>
             </a:ext>
           </a:extLst>
         </p:spPr>
@@ -3011,7 +3012,7 @@
           <a:effectLst/>
           <a:extLst>
             <a:ext uri="{C572A759-6A51-4108-AA02-DFA0A04FC94B}">
-              <ma14:wrappingTextBoxFlag xmlns="" xmlns:m="http://schemas.openxmlformats.org/officeDocument/2006/math" xmlns:a14="http://schemas.microsoft.com/office/drawing/2010/main" xmlns:ma14="http://schemas.microsoft.com/office/mac/drawingml/2011/main" val="1"/>
+              <ma14:wrappingTextBoxFlag xmlns:ma14="http://schemas.microsoft.com/office/mac/drawingml/2011/main" xmlns:a14="http://schemas.microsoft.com/office/drawing/2010/main" xmlns:m="http://schemas.openxmlformats.org/officeDocument/2006/math" xmlns="" val="1"/>
             </a:ext>
           </a:extLst>
         </p:spPr>
@@ -3075,7 +3076,7 @@
           </a:ln>
           <a:extLst>
             <a:ext uri="{C572A759-6A51-4108-AA02-DFA0A04FC94B}">
-              <ma14:wrappingTextBoxFlag xmlns="" xmlns:m="http://schemas.openxmlformats.org/officeDocument/2006/math" xmlns:a14="http://schemas.microsoft.com/office/drawing/2010/main" xmlns:ma14="http://schemas.microsoft.com/office/mac/drawingml/2011/main" val="1"/>
+              <ma14:wrappingTextBoxFlag xmlns:ma14="http://schemas.microsoft.com/office/mac/drawingml/2011/main" xmlns:a14="http://schemas.microsoft.com/office/drawing/2010/main" xmlns:m="http://schemas.openxmlformats.org/officeDocument/2006/math" xmlns="" val="1"/>
             </a:ext>
           </a:extLst>
         </p:spPr>
@@ -3143,7 +3144,7 @@
           </a:ln>
           <a:extLst>
             <a:ext uri="{C572A759-6A51-4108-AA02-DFA0A04FC94B}">
-              <ma14:wrappingTextBoxFlag xmlns="" xmlns:m="http://schemas.openxmlformats.org/officeDocument/2006/math" xmlns:a14="http://schemas.microsoft.com/office/drawing/2010/main" xmlns:ma14="http://schemas.microsoft.com/office/mac/drawingml/2011/main" val="1"/>
+              <ma14:wrappingTextBoxFlag xmlns:ma14="http://schemas.microsoft.com/office/mac/drawingml/2011/main" xmlns:a14="http://schemas.microsoft.com/office/drawing/2010/main" xmlns:m="http://schemas.openxmlformats.org/officeDocument/2006/math" xmlns="" val="1"/>
             </a:ext>
           </a:extLst>
         </p:spPr>
@@ -3413,7 +3414,7 @@
           <a:effectLst/>
           <a:extLst>
             <a:ext uri="{C572A759-6A51-4108-AA02-DFA0A04FC94B}">
-              <ma14:wrappingTextBoxFlag xmlns="" xmlns:m="http://schemas.openxmlformats.org/officeDocument/2006/math" xmlns:a14="http://schemas.microsoft.com/office/drawing/2010/main" xmlns:ma14="http://schemas.microsoft.com/office/mac/drawingml/2011/main" val="1"/>
+              <ma14:wrappingTextBoxFlag xmlns:ma14="http://schemas.microsoft.com/office/mac/drawingml/2011/main" xmlns:a14="http://schemas.microsoft.com/office/drawing/2010/main" xmlns:m="http://schemas.openxmlformats.org/officeDocument/2006/math" xmlns="" val="1"/>
             </a:ext>
           </a:extLst>
         </p:spPr>
@@ -3543,7 +3544,7 @@
           <a:effectLst/>
           <a:extLst>
             <a:ext uri="{C572A759-6A51-4108-AA02-DFA0A04FC94B}">
-              <ma14:wrappingTextBoxFlag xmlns="" xmlns:m="http://schemas.openxmlformats.org/officeDocument/2006/math" xmlns:a14="http://schemas.microsoft.com/office/drawing/2010/main" xmlns:ma14="http://schemas.microsoft.com/office/mac/drawingml/2011/main" val="1"/>
+              <ma14:wrappingTextBoxFlag xmlns:ma14="http://schemas.microsoft.com/office/mac/drawingml/2011/main" xmlns:a14="http://schemas.microsoft.com/office/drawing/2010/main" xmlns:m="http://schemas.openxmlformats.org/officeDocument/2006/math" xmlns="" val="1"/>
             </a:ext>
           </a:extLst>
         </p:spPr>
@@ -3607,7 +3608,7 @@
           </a:ln>
           <a:extLst>
             <a:ext uri="{C572A759-6A51-4108-AA02-DFA0A04FC94B}">
-              <ma14:wrappingTextBoxFlag xmlns="" xmlns:m="http://schemas.openxmlformats.org/officeDocument/2006/math" xmlns:a14="http://schemas.microsoft.com/office/drawing/2010/main" xmlns:ma14="http://schemas.microsoft.com/office/mac/drawingml/2011/main" val="1"/>
+              <ma14:wrappingTextBoxFlag xmlns:ma14="http://schemas.microsoft.com/office/mac/drawingml/2011/main" xmlns:a14="http://schemas.microsoft.com/office/drawing/2010/main" xmlns:m="http://schemas.openxmlformats.org/officeDocument/2006/math" xmlns="" val="1"/>
             </a:ext>
           </a:extLst>
         </p:spPr>
@@ -3675,7 +3676,7 @@
           </a:ln>
           <a:extLst>
             <a:ext uri="{C572A759-6A51-4108-AA02-DFA0A04FC94B}">
-              <ma14:wrappingTextBoxFlag xmlns="" xmlns:m="http://schemas.openxmlformats.org/officeDocument/2006/math" xmlns:a14="http://schemas.microsoft.com/office/drawing/2010/main" xmlns:ma14="http://schemas.microsoft.com/office/mac/drawingml/2011/main" val="1"/>
+              <ma14:wrappingTextBoxFlag xmlns:ma14="http://schemas.microsoft.com/office/mac/drawingml/2011/main" xmlns:a14="http://schemas.microsoft.com/office/drawing/2010/main" xmlns:m="http://schemas.openxmlformats.org/officeDocument/2006/math" xmlns="" val="1"/>
             </a:ext>
           </a:extLst>
         </p:spPr>
@@ -4919,7 +4920,7 @@
           </a:ln>
           <a:extLst>
             <a:ext uri="{C572A759-6A51-4108-AA02-DFA0A04FC94B}">
-              <ma14:wrappingTextBoxFlag xmlns="" xmlns:m="http://schemas.openxmlformats.org/officeDocument/2006/math" xmlns:a14="http://schemas.microsoft.com/office/drawing/2010/main" xmlns:ma14="http://schemas.microsoft.com/office/mac/drawingml/2011/main" val="1"/>
+              <ma14:wrappingTextBoxFlag xmlns:ma14="http://schemas.microsoft.com/office/mac/drawingml/2011/main" xmlns:a14="http://schemas.microsoft.com/office/drawing/2010/main" xmlns:m="http://schemas.openxmlformats.org/officeDocument/2006/math" xmlns="" val="1"/>
             </a:ext>
           </a:extLst>
         </p:spPr>
@@ -8119,7 +8120,7 @@
           </a:ln>
           <a:extLst>
             <a:ext uri="{C572A759-6A51-4108-AA02-DFA0A04FC94B}">
-              <ma14:wrappingTextBoxFlag xmlns="" xmlns:m="http://schemas.openxmlformats.org/officeDocument/2006/math" xmlns:a14="http://schemas.microsoft.com/office/drawing/2010/main" xmlns:ma14="http://schemas.microsoft.com/office/mac/drawingml/2011/main" val="1"/>
+              <ma14:wrappingTextBoxFlag xmlns:ma14="http://schemas.microsoft.com/office/mac/drawingml/2011/main" xmlns:a14="http://schemas.microsoft.com/office/drawing/2010/main" xmlns:m="http://schemas.openxmlformats.org/officeDocument/2006/math" xmlns="" val="1"/>
             </a:ext>
           </a:extLst>
         </p:spPr>
@@ -8178,7 +8179,7 @@
           </a:ln>
           <a:extLst>
             <a:ext uri="{C572A759-6A51-4108-AA02-DFA0A04FC94B}">
-              <ma14:wrappingTextBoxFlag xmlns="" xmlns:m="http://schemas.openxmlformats.org/officeDocument/2006/math" xmlns:a14="http://schemas.microsoft.com/office/drawing/2010/main" xmlns:ma14="http://schemas.microsoft.com/office/mac/drawingml/2011/main" val="1"/>
+              <ma14:wrappingTextBoxFlag xmlns:ma14="http://schemas.microsoft.com/office/mac/drawingml/2011/main" xmlns:a14="http://schemas.microsoft.com/office/drawing/2010/main" xmlns:m="http://schemas.openxmlformats.org/officeDocument/2006/math" xmlns="" val="1"/>
             </a:ext>
           </a:extLst>
         </p:spPr>
@@ -8237,7 +8238,7 @@
           </a:ln>
           <a:extLst>
             <a:ext uri="{C572A759-6A51-4108-AA02-DFA0A04FC94B}">
-              <ma14:wrappingTextBoxFlag xmlns="" xmlns:m="http://schemas.openxmlformats.org/officeDocument/2006/math" xmlns:a14="http://schemas.microsoft.com/office/drawing/2010/main" xmlns:ma14="http://schemas.microsoft.com/office/mac/drawingml/2011/main" val="1"/>
+              <ma14:wrappingTextBoxFlag xmlns:ma14="http://schemas.microsoft.com/office/mac/drawingml/2011/main" xmlns:a14="http://schemas.microsoft.com/office/drawing/2010/main" xmlns:m="http://schemas.openxmlformats.org/officeDocument/2006/math" xmlns="" val="1"/>
             </a:ext>
           </a:extLst>
         </p:spPr>
@@ -8296,7 +8297,7 @@
           </a:ln>
           <a:extLst>
             <a:ext uri="{C572A759-6A51-4108-AA02-DFA0A04FC94B}">
-              <ma14:wrappingTextBoxFlag xmlns="" xmlns:m="http://schemas.openxmlformats.org/officeDocument/2006/math" xmlns:a14="http://schemas.microsoft.com/office/drawing/2010/main" xmlns:ma14="http://schemas.microsoft.com/office/mac/drawingml/2011/main" val="1"/>
+              <ma14:wrappingTextBoxFlag xmlns:ma14="http://schemas.microsoft.com/office/mac/drawingml/2011/main" xmlns:a14="http://schemas.microsoft.com/office/drawing/2010/main" xmlns:m="http://schemas.openxmlformats.org/officeDocument/2006/math" xmlns="" val="1"/>
             </a:ext>
           </a:extLst>
         </p:spPr>
@@ -8355,7 +8356,7 @@
           </a:ln>
           <a:extLst>
             <a:ext uri="{C572A759-6A51-4108-AA02-DFA0A04FC94B}">
-              <ma14:wrappingTextBoxFlag xmlns="" xmlns:m="http://schemas.openxmlformats.org/officeDocument/2006/math" xmlns:a14="http://schemas.microsoft.com/office/drawing/2010/main" xmlns:ma14="http://schemas.microsoft.com/office/mac/drawingml/2011/main" val="1"/>
+              <ma14:wrappingTextBoxFlag xmlns:ma14="http://schemas.microsoft.com/office/mac/drawingml/2011/main" xmlns:a14="http://schemas.microsoft.com/office/drawing/2010/main" xmlns:m="http://schemas.openxmlformats.org/officeDocument/2006/math" xmlns="" val="1"/>
             </a:ext>
           </a:extLst>
         </p:spPr>
@@ -8414,7 +8415,7 @@
           </a:ln>
           <a:extLst>
             <a:ext uri="{C572A759-6A51-4108-AA02-DFA0A04FC94B}">
-              <ma14:wrappingTextBoxFlag xmlns="" xmlns:m="http://schemas.openxmlformats.org/officeDocument/2006/math" xmlns:a14="http://schemas.microsoft.com/office/drawing/2010/main" xmlns:ma14="http://schemas.microsoft.com/office/mac/drawingml/2011/main" val="1"/>
+              <ma14:wrappingTextBoxFlag xmlns:ma14="http://schemas.microsoft.com/office/mac/drawingml/2011/main" xmlns:a14="http://schemas.microsoft.com/office/drawing/2010/main" xmlns:m="http://schemas.openxmlformats.org/officeDocument/2006/math" xmlns="" val="1"/>
             </a:ext>
           </a:extLst>
         </p:spPr>
@@ -8473,7 +8474,7 @@
           </a:ln>
           <a:extLst>
             <a:ext uri="{C572A759-6A51-4108-AA02-DFA0A04FC94B}">
-              <ma14:wrappingTextBoxFlag xmlns="" xmlns:m="http://schemas.openxmlformats.org/officeDocument/2006/math" xmlns:a14="http://schemas.microsoft.com/office/drawing/2010/main" xmlns:ma14="http://schemas.microsoft.com/office/mac/drawingml/2011/main" val="1"/>
+              <ma14:wrappingTextBoxFlag xmlns:ma14="http://schemas.microsoft.com/office/mac/drawingml/2011/main" xmlns:a14="http://schemas.microsoft.com/office/drawing/2010/main" xmlns:m="http://schemas.openxmlformats.org/officeDocument/2006/math" xmlns="" val="1"/>
             </a:ext>
           </a:extLst>
         </p:spPr>
@@ -8532,7 +8533,7 @@
           </a:ln>
           <a:extLst>
             <a:ext uri="{C572A759-6A51-4108-AA02-DFA0A04FC94B}">
-              <ma14:wrappingTextBoxFlag xmlns="" xmlns:m="http://schemas.openxmlformats.org/officeDocument/2006/math" xmlns:a14="http://schemas.microsoft.com/office/drawing/2010/main" xmlns:ma14="http://schemas.microsoft.com/office/mac/drawingml/2011/main" val="1"/>
+              <ma14:wrappingTextBoxFlag xmlns:ma14="http://schemas.microsoft.com/office/mac/drawingml/2011/main" xmlns:a14="http://schemas.microsoft.com/office/drawing/2010/main" xmlns:m="http://schemas.openxmlformats.org/officeDocument/2006/math" xmlns="" val="1"/>
             </a:ext>
           </a:extLst>
         </p:spPr>
@@ -8591,7 +8592,7 @@
           </a:ln>
           <a:extLst>
             <a:ext uri="{C572A759-6A51-4108-AA02-DFA0A04FC94B}">
-              <ma14:wrappingTextBoxFlag xmlns="" xmlns:m="http://schemas.openxmlformats.org/officeDocument/2006/math" xmlns:a14="http://schemas.microsoft.com/office/drawing/2010/main" xmlns:ma14="http://schemas.microsoft.com/office/mac/drawingml/2011/main" val="1"/>
+              <ma14:wrappingTextBoxFlag xmlns:ma14="http://schemas.microsoft.com/office/mac/drawingml/2011/main" xmlns:a14="http://schemas.microsoft.com/office/drawing/2010/main" xmlns:m="http://schemas.openxmlformats.org/officeDocument/2006/math" xmlns="" val="1"/>
             </a:ext>
           </a:extLst>
         </p:spPr>
@@ -8988,7 +8989,7 @@
           </a:ln>
           <a:extLst>
             <a:ext uri="{C572A759-6A51-4108-AA02-DFA0A04FC94B}">
-              <ma14:wrappingTextBoxFlag xmlns="" xmlns:m="http://schemas.openxmlformats.org/officeDocument/2006/math" xmlns:a14="http://schemas.microsoft.com/office/drawing/2010/main" xmlns:ma14="http://schemas.microsoft.com/office/mac/drawingml/2011/main" val="1"/>
+              <ma14:wrappingTextBoxFlag xmlns:ma14="http://schemas.microsoft.com/office/mac/drawingml/2011/main" xmlns:a14="http://schemas.microsoft.com/office/drawing/2010/main" xmlns:m="http://schemas.openxmlformats.org/officeDocument/2006/math" xmlns="" val="1"/>
             </a:ext>
           </a:extLst>
         </p:spPr>
@@ -9043,7 +9044,7 @@
           </a:ln>
           <a:extLst>
             <a:ext uri="{C572A759-6A51-4108-AA02-DFA0A04FC94B}">
-              <ma14:wrappingTextBoxFlag xmlns="" xmlns:m="http://schemas.openxmlformats.org/officeDocument/2006/math" xmlns:a14="http://schemas.microsoft.com/office/drawing/2010/main" xmlns:ma14="http://schemas.microsoft.com/office/mac/drawingml/2011/main" val="1"/>
+              <ma14:wrappingTextBoxFlag xmlns:ma14="http://schemas.microsoft.com/office/mac/drawingml/2011/main" xmlns:a14="http://schemas.microsoft.com/office/drawing/2010/main" xmlns:m="http://schemas.openxmlformats.org/officeDocument/2006/math" xmlns="" val="1"/>
             </a:ext>
           </a:extLst>
         </p:spPr>
@@ -9133,7 +9134,7 @@
           </a:ln>
           <a:extLst>
             <a:ext uri="{C572A759-6A51-4108-AA02-DFA0A04FC94B}">
-              <ma14:wrappingTextBoxFlag xmlns="" xmlns:m="http://schemas.openxmlformats.org/officeDocument/2006/math" xmlns:a14="http://schemas.microsoft.com/office/drawing/2010/main" xmlns:ma14="http://schemas.microsoft.com/office/mac/drawingml/2011/main" val="1"/>
+              <ma14:wrappingTextBoxFlag xmlns:ma14="http://schemas.microsoft.com/office/mac/drawingml/2011/main" xmlns:a14="http://schemas.microsoft.com/office/drawing/2010/main" xmlns:m="http://schemas.openxmlformats.org/officeDocument/2006/math" xmlns="" val="1"/>
             </a:ext>
           </a:extLst>
         </p:spPr>
@@ -9185,7 +9186,7 @@
           </a:ln>
           <a:extLst>
             <a:ext uri="{C572A759-6A51-4108-AA02-DFA0A04FC94B}">
-              <ma14:wrappingTextBoxFlag xmlns="" xmlns:m="http://schemas.openxmlformats.org/officeDocument/2006/math" xmlns:a14="http://schemas.microsoft.com/office/drawing/2010/main" xmlns:ma14="http://schemas.microsoft.com/office/mac/drawingml/2011/main" val="1"/>
+              <ma14:wrappingTextBoxFlag xmlns:ma14="http://schemas.microsoft.com/office/mac/drawingml/2011/main" xmlns:a14="http://schemas.microsoft.com/office/drawing/2010/main" xmlns:m="http://schemas.openxmlformats.org/officeDocument/2006/math" xmlns="" val="1"/>
             </a:ext>
           </a:extLst>
         </p:spPr>
@@ -11859,7 +11860,7 @@
           </a:ln>
           <a:extLst>
             <a:ext uri="{C572A759-6A51-4108-AA02-DFA0A04FC94B}">
-              <ma14:wrappingTextBoxFlag xmlns="" xmlns:m="http://schemas.openxmlformats.org/officeDocument/2006/math" xmlns:a14="http://schemas.microsoft.com/office/drawing/2010/main" xmlns:ma14="http://schemas.microsoft.com/office/mac/drawingml/2011/main" val="1"/>
+              <ma14:wrappingTextBoxFlag xmlns:ma14="http://schemas.microsoft.com/office/mac/drawingml/2011/main" xmlns:a14="http://schemas.microsoft.com/office/drawing/2010/main" xmlns:m="http://schemas.openxmlformats.org/officeDocument/2006/math" xmlns="" val="1"/>
             </a:ext>
           </a:extLst>
         </p:spPr>
@@ -12092,6 +12093,119 @@
           <p:cNvPr id="2" name="Espace réservé du texte 1">
             <a:extLst>
               <a:ext uri="{FF2B5EF4-FFF2-40B4-BE49-F238E27FC236}">
+                <a16:creationId xmlns:a16="http://schemas.microsoft.com/office/drawing/2014/main" id="{179E89C6-0281-9533-3D63-60FE6D05FD68}"/>
+              </a:ext>
+            </a:extLst>
+          </p:cNvPr>
+          <p:cNvSpPr>
+            <a:spLocks noGrp="1"/>
+          </p:cNvSpPr>
+          <p:nvPr>
+            <p:ph type="body" sz="quarter" idx="13"/>
+          </p:nvPr>
+        </p:nvSpPr>
+        <p:spPr/>
+        <p:txBody>
+          <a:bodyPr/>
+          <a:lstStyle/>
+          <a:p>
+            <a:r>
+              <a:rPr lang="fr-FR" dirty="0"/>
+              <a:t>Sources</a:t>
+            </a:r>
+          </a:p>
+        </p:txBody>
+      </p:sp>
+      <p:sp>
+        <p:nvSpPr>
+          <p:cNvPr id="3" name="Espace réservé du texte 2">
+            <a:extLst>
+              <a:ext uri="{FF2B5EF4-FFF2-40B4-BE49-F238E27FC236}">
+                <a16:creationId xmlns:a16="http://schemas.microsoft.com/office/drawing/2014/main" id="{782C271F-78D0-2E07-8B18-88EBD4F0A480}"/>
+              </a:ext>
+            </a:extLst>
+          </p:cNvPr>
+          <p:cNvSpPr>
+            <a:spLocks noGrp="1"/>
+          </p:cNvSpPr>
+          <p:nvPr>
+            <p:ph type="body" sz="quarter" idx="14"/>
+          </p:nvPr>
+        </p:nvSpPr>
+        <p:spPr/>
+        <p:txBody>
+          <a:bodyPr/>
+          <a:lstStyle/>
+          <a:p>
+            <a:endParaRPr lang="fr-FR"/>
+          </a:p>
+        </p:txBody>
+      </p:sp>
+      <p:pic>
+        <p:nvPicPr>
+          <p:cNvPr id="5" name="Image 4">
+            <a:extLst>
+              <a:ext uri="{FF2B5EF4-FFF2-40B4-BE49-F238E27FC236}">
+                <a16:creationId xmlns:a16="http://schemas.microsoft.com/office/drawing/2014/main" id="{E9D3CBD0-13C9-3B14-162F-1F7083D60A55}"/>
+              </a:ext>
+            </a:extLst>
+          </p:cNvPr>
+          <p:cNvPicPr>
+            <a:picLocks noChangeAspect="1"/>
+          </p:cNvPicPr>
+          <p:nvPr/>
+        </p:nvPicPr>
+        <p:blipFill>
+          <a:blip r:embed="rId2"/>
+          <a:stretch>
+            <a:fillRect/>
+          </a:stretch>
+        </p:blipFill>
+        <p:spPr>
+          <a:xfrm>
+            <a:off x="1481137" y="2432050"/>
+            <a:ext cx="11896725" cy="5638800"/>
+          </a:xfrm>
+          <a:prstGeom prst="rect">
+            <a:avLst/>
+          </a:prstGeom>
+        </p:spPr>
+      </p:pic>
+    </p:spTree>
+    <p:extLst>
+      <p:ext uri="{BB962C8B-B14F-4D97-AF65-F5344CB8AC3E}">
+        <p14:creationId xmlns:p14="http://schemas.microsoft.com/office/powerpoint/2010/main" val="674109845"/>
+      </p:ext>
+    </p:extLst>
+  </p:cSld>
+  <p:clrMapOvr>
+    <a:masterClrMapping/>
+  </p:clrMapOvr>
+</p:sld>
+</file>
+
+<file path=ppt/slides/slide26.xml><?xml version="1.0" encoding="utf-8"?>
+<p:sld xmlns:a="http://schemas.openxmlformats.org/drawingml/2006/main" xmlns:r="http://schemas.openxmlformats.org/officeDocument/2006/relationships" xmlns:p="http://schemas.openxmlformats.org/presentationml/2006/main">
+  <p:cSld>
+    <p:spTree>
+      <p:nvGrpSpPr>
+        <p:cNvPr id="1" name=""/>
+        <p:cNvGrpSpPr/>
+        <p:nvPr/>
+      </p:nvGrpSpPr>
+      <p:grpSpPr>
+        <a:xfrm>
+          <a:off x="0" y="0"/>
+          <a:ext cx="0" cy="0"/>
+          <a:chOff x="0" y="0"/>
+          <a:chExt cx="0" cy="0"/>
+        </a:xfrm>
+      </p:grpSpPr>
+      <p:sp>
+        <p:nvSpPr>
+          <p:cNvPr id="2" name="Espace réservé du texte 1">
+            <a:extLst>
+              <a:ext uri="{FF2B5EF4-FFF2-40B4-BE49-F238E27FC236}">
                 <a16:creationId xmlns:a16="http://schemas.microsoft.com/office/drawing/2014/main" id="{6CF7A5F1-CAB7-879F-E9F6-6A1B4EB752B4}"/>
               </a:ext>
             </a:extLst>
@@ -12158,7 +12272,7 @@
 </p:sld>
 </file>
 
-<file path=ppt/slides/slide26.xml><?xml version="1.0" encoding="utf-8"?>
+<file path=ppt/slides/slide27.xml><?xml version="1.0" encoding="utf-8"?>
 <p:sld xmlns:a="http://schemas.openxmlformats.org/drawingml/2006/main" xmlns:r="http://schemas.openxmlformats.org/officeDocument/2006/relationships" xmlns:p="http://schemas.openxmlformats.org/presentationml/2006/main">
   <p:cSld>
     <p:spTree>
@@ -16120,7 +16234,7 @@
         </a:ln>
         <a:extLst>
           <a:ext uri="{C572A759-6A51-4108-AA02-DFA0A04FC94B}">
-            <ma14:wrappingTextBoxFlag xmlns="" xmlns:r="http://schemas.openxmlformats.org/officeDocument/2006/relationships" xmlns:p="http://schemas.openxmlformats.org/presentationml/2006/main" xmlns:m="http://schemas.openxmlformats.org/officeDocument/2006/math" xmlns:a14="http://schemas.microsoft.com/office/drawing/2010/main" xmlns:ma14="http://schemas.microsoft.com/office/mac/drawingml/2011/main" val="1"/>
+            <ma14:wrappingTextBoxFlag xmlns:ma14="http://schemas.microsoft.com/office/mac/drawingml/2011/main" xmlns:a14="http://schemas.microsoft.com/office/drawing/2010/main" xmlns:m="http://schemas.openxmlformats.org/officeDocument/2006/math" xmlns:p="http://schemas.openxmlformats.org/presentationml/2006/main" xmlns:r="http://schemas.openxmlformats.org/officeDocument/2006/relationships" xmlns="" val="1"/>
           </a:ext>
         </a:extLst>
       </a:spPr>
